--- a/doc/设计模式.pptx
+++ b/doc/设计模式.pptx
@@ -10,20 +10,27 @@
     <p:sldId id="267" r:id="rId4"/>
     <p:sldId id="257" r:id="rId5"/>
     <p:sldId id="258" r:id="rId6"/>
-    <p:sldId id="265" r:id="rId7"/>
-    <p:sldId id="259" r:id="rId8"/>
-    <p:sldId id="260" r:id="rId9"/>
-    <p:sldId id="261" r:id="rId10"/>
-    <p:sldId id="262" r:id="rId11"/>
-    <p:sldId id="264" r:id="rId12"/>
-    <p:sldId id="266" r:id="rId13"/>
-    <p:sldId id="268" r:id="rId14"/>
-    <p:sldId id="269" r:id="rId15"/>
-    <p:sldId id="270" r:id="rId16"/>
-    <p:sldId id="271" r:id="rId17"/>
-    <p:sldId id="272" r:id="rId18"/>
-    <p:sldId id="273" r:id="rId19"/>
-    <p:sldId id="274" r:id="rId20"/>
+    <p:sldId id="275" r:id="rId7"/>
+    <p:sldId id="276" r:id="rId8"/>
+    <p:sldId id="277" r:id="rId9"/>
+    <p:sldId id="278" r:id="rId10"/>
+    <p:sldId id="259" r:id="rId11"/>
+    <p:sldId id="260" r:id="rId12"/>
+    <p:sldId id="261" r:id="rId13"/>
+    <p:sldId id="262" r:id="rId14"/>
+    <p:sldId id="264" r:id="rId15"/>
+    <p:sldId id="266" r:id="rId16"/>
+    <p:sldId id="268" r:id="rId17"/>
+    <p:sldId id="269" r:id="rId18"/>
+    <p:sldId id="279" r:id="rId19"/>
+    <p:sldId id="283" r:id="rId20"/>
+    <p:sldId id="280" r:id="rId21"/>
+    <p:sldId id="271" r:id="rId22"/>
+    <p:sldId id="281" r:id="rId23"/>
+    <p:sldId id="272" r:id="rId24"/>
+    <p:sldId id="273" r:id="rId25"/>
+    <p:sldId id="274" r:id="rId26"/>
+    <p:sldId id="282" r:id="rId27"/>
   </p:sldIdLst>
   <p:sldSz cx="9144000" cy="6858000" type="screen4x3"/>
   <p:notesSz cx="6858000" cy="9144000"/>
@@ -136,7 +143,10 @@
           <p14:sldIdLst>
             <p14:sldId id="257"/>
             <p14:sldId id="258"/>
-            <p14:sldId id="265"/>
+            <p14:sldId id="275"/>
+            <p14:sldId id="276"/>
+            <p14:sldId id="277"/>
+            <p14:sldId id="278"/>
             <p14:sldId id="259"/>
             <p14:sldId id="260"/>
             <p14:sldId id="261"/>
@@ -149,11 +159,19 @@
             <p14:sldId id="266"/>
             <p14:sldId id="268"/>
             <p14:sldId id="269"/>
-            <p14:sldId id="270"/>
+            <p14:sldId id="279"/>
+            <p14:sldId id="283"/>
+            <p14:sldId id="280"/>
             <p14:sldId id="271"/>
+            <p14:sldId id="281"/>
             <p14:sldId id="272"/>
             <p14:sldId id="273"/>
             <p14:sldId id="274"/>
+          </p14:sldIdLst>
+        </p14:section>
+        <p14:section name="example" id="{DA4BE1F4-8A3A-400A-B98B-F52E714EB84F}">
+          <p14:sldIdLst>
+            <p14:sldId id="282"/>
           </p14:sldIdLst>
         </p14:section>
       </p14:sectionLst>
@@ -546,7 +564,7 @@
           <a:p>
             <a:fld id="{530820CF-B880-4189-942D-D702A7CBA730}" type="datetimeFigureOut">
               <a:rPr lang="zh-CN" altLang="en-US" smtClean="0"/>
-              <a:t>2016-01-25</a:t>
+              <a:t>2016/1/26</a:t>
             </a:fld>
             <a:endParaRPr lang="zh-CN" altLang="en-US"/>
           </a:p>
@@ -711,7 +729,7 @@
           <a:p>
             <a:fld id="{530820CF-B880-4189-942D-D702A7CBA730}" type="datetimeFigureOut">
               <a:rPr lang="zh-CN" altLang="en-US" smtClean="0"/>
-              <a:t>2016-01-25</a:t>
+              <a:t>2016/1/26</a:t>
             </a:fld>
             <a:endParaRPr lang="zh-CN" altLang="en-US"/>
           </a:p>
@@ -886,7 +904,7 @@
           <a:p>
             <a:fld id="{530820CF-B880-4189-942D-D702A7CBA730}" type="datetimeFigureOut">
               <a:rPr lang="zh-CN" altLang="en-US" smtClean="0"/>
-              <a:t>2016-01-25</a:t>
+              <a:t>2016/1/26</a:t>
             </a:fld>
             <a:endParaRPr lang="zh-CN" altLang="en-US"/>
           </a:p>
@@ -1055,7 +1073,7 @@
           <a:p>
             <a:fld id="{530820CF-B880-4189-942D-D702A7CBA730}" type="datetimeFigureOut">
               <a:rPr lang="zh-CN" altLang="en-US" smtClean="0"/>
-              <a:t>2016-01-25</a:t>
+              <a:t>2016/1/26</a:t>
             </a:fld>
             <a:endParaRPr lang="zh-CN" altLang="en-US"/>
           </a:p>
@@ -1510,7 +1528,7 @@
           <a:p>
             <a:fld id="{530820CF-B880-4189-942D-D702A7CBA730}" type="datetimeFigureOut">
               <a:rPr lang="zh-CN" altLang="en-US" smtClean="0"/>
-              <a:t>2016-01-25</a:t>
+              <a:t>2016/1/26</a:t>
             </a:fld>
             <a:endParaRPr lang="zh-CN" altLang="en-US"/>
           </a:p>
@@ -1774,7 +1792,7 @@
           <a:p>
             <a:fld id="{530820CF-B880-4189-942D-D702A7CBA730}" type="datetimeFigureOut">
               <a:rPr lang="zh-CN" altLang="en-US" smtClean="0"/>
-              <a:t>2016-01-25</a:t>
+              <a:t>2016/1/26</a:t>
             </a:fld>
             <a:endParaRPr lang="zh-CN" altLang="en-US"/>
           </a:p>
@@ -2148,7 +2166,7 @@
           <a:p>
             <a:fld id="{530820CF-B880-4189-942D-D702A7CBA730}" type="datetimeFigureOut">
               <a:rPr lang="zh-CN" altLang="en-US" smtClean="0"/>
-              <a:t>2016-01-25</a:t>
+              <a:t>2016/1/26</a:t>
             </a:fld>
             <a:endParaRPr lang="zh-CN" altLang="en-US"/>
           </a:p>
@@ -2270,7 +2288,7 @@
           <a:p>
             <a:fld id="{530820CF-B880-4189-942D-D702A7CBA730}" type="datetimeFigureOut">
               <a:rPr lang="zh-CN" altLang="en-US" smtClean="0"/>
-              <a:t>2016-01-25</a:t>
+              <a:t>2016/1/26</a:t>
             </a:fld>
             <a:endParaRPr lang="zh-CN" altLang="en-US"/>
           </a:p>
@@ -2360,7 +2378,7 @@
           <a:p>
             <a:fld id="{530820CF-B880-4189-942D-D702A7CBA730}" type="datetimeFigureOut">
               <a:rPr lang="zh-CN" altLang="en-US" smtClean="0"/>
-              <a:t>2016-01-25</a:t>
+              <a:t>2016/1/26</a:t>
             </a:fld>
             <a:endParaRPr lang="zh-CN" altLang="en-US"/>
           </a:p>
@@ -2609,7 +2627,7 @@
           <a:p>
             <a:fld id="{530820CF-B880-4189-942D-D702A7CBA730}" type="datetimeFigureOut">
               <a:rPr lang="zh-CN" altLang="en-US" smtClean="0"/>
-              <a:t>2016-01-25</a:t>
+              <a:t>2016/1/26</a:t>
             </a:fld>
             <a:endParaRPr lang="zh-CN" altLang="en-US"/>
           </a:p>
@@ -2868,7 +2886,7 @@
           <a:p>
             <a:fld id="{530820CF-B880-4189-942D-D702A7CBA730}" type="datetimeFigureOut">
               <a:rPr lang="zh-CN" altLang="en-US" smtClean="0"/>
-              <a:t>2016-01-25</a:t>
+              <a:t>2016/1/26</a:t>
             </a:fld>
             <a:endParaRPr lang="zh-CN" altLang="en-US"/>
           </a:p>
@@ -3272,7 +3290,7 @@
           <a:p>
             <a:fld id="{530820CF-B880-4189-942D-D702A7CBA730}" type="datetimeFigureOut">
               <a:rPr lang="zh-CN" altLang="en-US" smtClean="0"/>
-              <a:t>2016-01-25</a:t>
+              <a:t>2016/1/26</a:t>
             </a:fld>
             <a:endParaRPr lang="zh-CN" altLang="en-US"/>
           </a:p>
@@ -3759,47 +3777,100 @@
         </p:nvSpPr>
         <p:spPr/>
         <p:txBody>
+          <a:bodyPr>
+            <a:normAutofit/>
+          </a:bodyPr>
+          <a:lstStyle/>
+          <a:p>
+            <a:r>
+              <a:rPr lang="zh-CN" altLang="en-US" dirty="0"/>
+              <a:t>适</a:t>
+            </a:r>
+            <a:r>
+              <a:rPr lang="zh-CN" altLang="en-US" dirty="0" smtClean="0"/>
+              <a:t>用性</a:t>
+            </a:r>
+            <a:endParaRPr lang="zh-CN" altLang="en-US" dirty="0"/>
+          </a:p>
+        </p:txBody>
+      </p:sp>
+      <p:sp>
+        <p:nvSpPr>
+          <p:cNvPr id="3" name="内容占位符 2"/>
+          <p:cNvSpPr>
+            <a:spLocks noGrp="1"/>
+          </p:cNvSpPr>
+          <p:nvPr>
+            <p:ph idx="1"/>
+          </p:nvPr>
+        </p:nvSpPr>
+        <p:spPr/>
+        <p:txBody>
           <a:bodyPr/>
           <a:lstStyle/>
           <a:p>
+            <a:pPr lvl="1"/>
+            <a:r>
+              <a:rPr lang="en-US" altLang="zh-CN" dirty="0" smtClean="0"/>
+              <a:t>1</a:t>
+            </a:r>
+            <a:r>
+              <a:rPr lang="en-US" altLang="zh-CN" dirty="0"/>
+              <a:t>)</a:t>
+            </a:r>
             <a:r>
               <a:rPr lang="zh-CN" altLang="en-US" dirty="0" smtClean="0"/>
-              <a:t>缺点</a:t>
-            </a:r>
+              <a:t>对</a:t>
+            </a:r>
+            <a:r>
+              <a:rPr lang="zh-CN" altLang="en-US" dirty="0"/>
+              <a:t>一个对象的改变需要同时改变其它对象</a:t>
+            </a:r>
+            <a:r>
+              <a:rPr lang="en-US" altLang="zh-CN" dirty="0"/>
+              <a:t>, </a:t>
+            </a:r>
+            <a:r>
+              <a:rPr lang="zh-CN" altLang="en-US" dirty="0"/>
+              <a:t>而不知道具体有多少对象有待改变。</a:t>
+            </a:r>
+          </a:p>
+          <a:p>
+            <a:pPr lvl="1"/>
+            <a:r>
+              <a:rPr lang="en-US" altLang="zh-CN" dirty="0"/>
+              <a:t>2</a:t>
+            </a:r>
+            <a:r>
+              <a:rPr lang="en-US" altLang="zh-CN" dirty="0" smtClean="0"/>
+              <a:t>)</a:t>
+            </a:r>
+            <a:r>
+              <a:rPr lang="zh-CN" altLang="en-US" sz="700" dirty="0"/>
+              <a:t>        </a:t>
+            </a:r>
+            <a:r>
+              <a:rPr lang="zh-CN" altLang="en-US" dirty="0"/>
+              <a:t>当一个对象必须通知其它对象，而它又不能假定其它对象是谁。换言之</a:t>
+            </a:r>
+            <a:r>
+              <a:rPr lang="en-US" altLang="zh-CN" dirty="0"/>
+              <a:t>, </a:t>
+            </a:r>
+            <a:r>
+              <a:rPr lang="zh-CN" altLang="en-US" dirty="0"/>
+              <a:t>你不希望这些对象是紧密耦合的。</a:t>
+            </a:r>
+          </a:p>
+          <a:p>
             <a:endParaRPr lang="zh-CN" altLang="en-US" dirty="0"/>
-          </a:p>
-        </p:txBody>
-      </p:sp>
-      <p:sp>
-        <p:nvSpPr>
-          <p:cNvPr id="3" name="内容占位符 2"/>
-          <p:cNvSpPr>
-            <a:spLocks noGrp="1"/>
-          </p:cNvSpPr>
-          <p:nvPr>
-            <p:ph idx="1"/>
-          </p:nvPr>
-        </p:nvSpPr>
-        <p:spPr/>
-        <p:txBody>
-          <a:bodyPr/>
-          <a:lstStyle/>
-          <a:p>
-            <a:r>
-              <a:rPr lang="zh-CN" altLang="en-US" dirty="0" smtClean="0"/>
-              <a:t>如</a:t>
-            </a:r>
-            <a:r>
-              <a:rPr lang="zh-CN" altLang="en-US" dirty="0"/>
-              <a:t>果在被观察者之间有循环依赖的话，被观察者会触发它们之间进行循环调用，导致系统崩溃。在使用观察者模式是要特别注意这一点。</a:t>
-            </a:r>
           </a:p>
         </p:txBody>
       </p:sp>
     </p:spTree>
     <p:extLst>
       <p:ext uri="{BB962C8B-B14F-4D97-AF65-F5344CB8AC3E}">
-        <p14:creationId xmlns:p14="http://schemas.microsoft.com/office/powerpoint/2010/main" val="35010058"/>
+        <p14:creationId xmlns:p14="http://schemas.microsoft.com/office/powerpoint/2010/main" val="3961778866"/>
       </p:ext>
     </p:extLst>
   </p:cSld>
@@ -3850,7 +3921,7 @@
           <a:p>
             <a:r>
               <a:rPr lang="zh-CN" altLang="en-US" dirty="0" smtClean="0"/>
-              <a:t>使用场景</a:t>
+              <a:t>推与拉</a:t>
             </a:r>
             <a:endParaRPr lang="zh-CN" altLang="en-US" dirty="0"/>
           </a:p>
@@ -3868,49 +3939,99 @@
         </p:nvSpPr>
         <p:spPr/>
         <p:txBody>
-          <a:bodyPr/>
+          <a:bodyPr>
+            <a:normAutofit/>
+          </a:bodyPr>
           <a:lstStyle/>
           <a:p>
             <a:r>
               <a:rPr lang="zh-CN" altLang="en-US" dirty="0"/>
-              <a:t>用处</a:t>
-            </a:r>
+              <a:t>观察者模式在关于目标角色、观察者角色通信的具体实现中，有两个版</a:t>
+            </a:r>
+            <a:r>
+              <a:rPr lang="zh-CN" altLang="en-US" dirty="0" smtClean="0"/>
+              <a:t>本</a:t>
+            </a:r>
+            <a:endParaRPr lang="en-US" altLang="zh-CN" dirty="0" smtClean="0"/>
+          </a:p>
+          <a:p>
+            <a:pPr marL="36576" indent="0">
+              <a:buNone/>
+            </a:pPr>
             <a:r>
               <a:rPr lang="en-US" altLang="zh-CN" dirty="0"/>
+              <a:t> </a:t>
+            </a:r>
+            <a:r>
+              <a:rPr lang="en-US" altLang="zh-CN" dirty="0" smtClean="0"/>
+              <a:t> </a:t>
+            </a:r>
+            <a:r>
+              <a:rPr lang="zh-CN" altLang="en-US" dirty="0" smtClean="0"/>
+              <a:t>推</a:t>
+            </a:r>
+            <a:r>
+              <a:rPr lang="en-US" altLang="zh-CN" dirty="0" smtClean="0"/>
               <a:t>:</a:t>
             </a:r>
             <a:r>
               <a:rPr lang="zh-CN" altLang="en-US" dirty="0"/>
-              <a:t>一个软件系统常常要求在某一个对象状态发生变化的时候</a:t>
+              <a:t>通过一个参数将变化的细节传递到观察者角色中去。这就是“推模式”</a:t>
             </a:r>
             <a:r>
               <a:rPr lang="en-US" altLang="zh-CN" dirty="0"/>
-              <a:t>,</a:t>
+              <a:t>——</a:t>
             </a:r>
             <a:r>
               <a:rPr lang="zh-CN" altLang="en-US" dirty="0"/>
-              <a:t>某些其他的对象作出相应的改变</a:t>
-            </a:r>
+              <a:t>管你要不要，先给</a:t>
+            </a:r>
+            <a:r>
+              <a:rPr lang="zh-CN" altLang="en-US" dirty="0" smtClean="0"/>
+              <a:t>你</a:t>
+            </a:r>
+            <a:r>
+              <a:rPr lang="zh-CN" altLang="en-US" dirty="0"/>
+              <a:t>。</a:t>
+            </a:r>
+            <a:endParaRPr lang="en-US" altLang="zh-CN" dirty="0" smtClean="0"/>
+          </a:p>
+          <a:p>
+            <a:pPr marL="36576" indent="0">
+              <a:buNone/>
+            </a:pPr>
             <a:r>
               <a:rPr lang="en-US" altLang="zh-CN" dirty="0"/>
-              <a:t>.</a:t>
+              <a:t> </a:t>
+            </a:r>
+            <a:r>
+              <a:rPr lang="en-US" altLang="zh-CN" dirty="0" smtClean="0"/>
+              <a:t> </a:t>
+            </a:r>
+            <a:r>
+              <a:rPr lang="zh-CN" altLang="en-US" dirty="0" smtClean="0"/>
+              <a:t>拉</a:t>
+            </a:r>
+            <a:r>
+              <a:rPr lang="en-US" altLang="zh-CN" dirty="0" smtClean="0"/>
+              <a:t>:</a:t>
             </a:r>
             <a:r>
               <a:rPr lang="zh-CN" altLang="en-US" dirty="0"/>
-              <a:t>为了减少对象之间的耦合有利于系统的复</a:t>
+              <a:t>一种情况便是目标角色在发生变化后，仅仅告诉观察者角色“我变化了”；观察者角色如果想要知道具体的变化细节，则就要自己从目标角色的接口中得到</a:t>
             </a:r>
             <a:r>
               <a:rPr lang="zh-CN" altLang="en-US" dirty="0" smtClean="0"/>
-              <a:t>用。</a:t>
-            </a:r>
-            <a:endParaRPr lang="zh-CN" altLang="en-US" dirty="0"/>
+              <a:t>。</a:t>
+            </a:r>
+            <a:endParaRPr lang="en-US" altLang="zh-CN" dirty="0" smtClean="0"/>
           </a:p>
         </p:txBody>
       </p:sp>
     </p:spTree>
     <p:extLst>
       <p:ext uri="{BB962C8B-B14F-4D97-AF65-F5344CB8AC3E}">
-        <p14:creationId xmlns:p14="http://schemas.microsoft.com/office/powerpoint/2010/main" val="3955146205"/>
+        <p14:creationId xmlns:p14="http://schemas.microsoft.com/office/powerpoint/2010/main" val="2476373307"/>
       </p:ext>
     </p:extLst>
   </p:cSld>
@@ -3954,27 +4075,65 @@
             <p:ph type="title"/>
           </p:nvPr>
         </p:nvSpPr>
-        <p:spPr>
-          <a:xfrm>
-            <a:off x="1331640" y="2708920"/>
-            <a:ext cx="7467600" cy="1143000"/>
-          </a:xfrm>
-        </p:spPr>
+        <p:spPr/>
         <p:txBody>
           <a:bodyPr/>
           <a:lstStyle/>
           <a:p>
             <a:r>
               <a:rPr lang="zh-CN" altLang="en-US" dirty="0"/>
-              <a:t>命令模式</a:t>
-            </a:r>
+              <a:t>优</a:t>
+            </a:r>
+            <a:r>
+              <a:rPr lang="zh-CN" altLang="en-US" dirty="0" smtClean="0"/>
+              <a:t>点</a:t>
+            </a:r>
+            <a:endParaRPr lang="zh-CN" altLang="en-US" dirty="0"/>
+          </a:p>
+        </p:txBody>
+      </p:sp>
+      <p:sp>
+        <p:nvSpPr>
+          <p:cNvPr id="3" name="内容占位符 2"/>
+          <p:cNvSpPr>
+            <a:spLocks noGrp="1"/>
+          </p:cNvSpPr>
+          <p:nvPr>
+            <p:ph idx="1"/>
+          </p:nvPr>
+        </p:nvSpPr>
+        <p:spPr/>
+        <p:txBody>
+          <a:bodyPr/>
+          <a:lstStyle/>
+          <a:p>
+            <a:r>
+              <a:rPr lang="zh-CN" altLang="en-US" dirty="0"/>
+              <a:t>第一、观察者模式在被观察者和观察者之间建立一个抽象的耦合。被观察者角色所知道的只是一个具体观察者列表，每一个具体观察者都符合一个抽象观察者的接口。被观察者并不认识任何一个具体观察者，它只知道它们都有一个共同的接口</a:t>
+            </a:r>
+            <a:r>
+              <a:rPr lang="zh-CN" altLang="en-US" dirty="0" smtClean="0"/>
+              <a:t>。</a:t>
+            </a:r>
+            <a:endParaRPr lang="en-US" altLang="zh-CN" dirty="0" smtClean="0"/>
+          </a:p>
+          <a:p>
+            <a:r>
+              <a:rPr lang="zh-CN" altLang="en-US" dirty="0"/>
+              <a:t>第二、观察者模式支持广播通讯</a:t>
+            </a:r>
+            <a:r>
+              <a:rPr lang="zh-CN" altLang="en-US" dirty="0" smtClean="0"/>
+              <a:t>。</a:t>
+            </a:r>
+            <a:endParaRPr lang="zh-CN" altLang="en-US" dirty="0"/>
           </a:p>
         </p:txBody>
       </p:sp>
     </p:spTree>
     <p:extLst>
       <p:ext uri="{BB962C8B-B14F-4D97-AF65-F5344CB8AC3E}">
-        <p14:creationId xmlns:p14="http://schemas.microsoft.com/office/powerpoint/2010/main" val="2861778587"/>
+        <p14:creationId xmlns:p14="http://schemas.microsoft.com/office/powerpoint/2010/main" val="4075729214"/>
       </p:ext>
     </p:extLst>
   </p:cSld>
@@ -4024,43 +4183,43 @@
           <a:lstStyle/>
           <a:p>
             <a:r>
+              <a:rPr lang="zh-CN" altLang="en-US" dirty="0" smtClean="0"/>
+              <a:t>缺点</a:t>
+            </a:r>
+            <a:endParaRPr lang="zh-CN" altLang="en-US" dirty="0"/>
+          </a:p>
+        </p:txBody>
+      </p:sp>
+      <p:sp>
+        <p:nvSpPr>
+          <p:cNvPr id="3" name="内容占位符 2"/>
+          <p:cNvSpPr>
+            <a:spLocks noGrp="1"/>
+          </p:cNvSpPr>
+          <p:nvPr>
+            <p:ph idx="1"/>
+          </p:nvPr>
+        </p:nvSpPr>
+        <p:spPr/>
+        <p:txBody>
+          <a:bodyPr/>
+          <a:lstStyle/>
+          <a:p>
+            <a:r>
+              <a:rPr lang="zh-CN" altLang="en-US" dirty="0" smtClean="0"/>
+              <a:t>如</a:t>
+            </a:r>
+            <a:r>
               <a:rPr lang="zh-CN" altLang="en-US" dirty="0"/>
-              <a:t>定义</a:t>
-            </a:r>
-          </a:p>
-        </p:txBody>
-      </p:sp>
-      <p:sp>
-        <p:nvSpPr>
-          <p:cNvPr id="3" name="内容占位符 2"/>
-          <p:cNvSpPr>
-            <a:spLocks noGrp="1"/>
-          </p:cNvSpPr>
-          <p:nvPr>
-            <p:ph idx="1"/>
-          </p:nvPr>
-        </p:nvSpPr>
-        <p:spPr/>
-        <p:txBody>
-          <a:bodyPr/>
-          <a:lstStyle/>
-          <a:p>
-            <a:r>
-              <a:rPr lang="zh-CN" altLang="en-US" dirty="0"/>
-              <a:t>命令模式：将请求封装成对象，以便使用不同的请求、日志、队列等来参数化其他对象。命令模式也支持撤销操作</a:t>
-            </a:r>
-            <a:r>
-              <a:rPr lang="zh-CN" altLang="en-US" dirty="0" smtClean="0"/>
-              <a:t>。</a:t>
-            </a:r>
-            <a:endParaRPr lang="zh-CN" altLang="en-US" dirty="0"/>
+              <a:t>果在被观察者之间有循环依赖的话，被观察者会触发它们之间进行循环调用，导致系统崩溃。在使用观察者模式是要特别注意这一点。</a:t>
+            </a:r>
           </a:p>
         </p:txBody>
       </p:sp>
     </p:spTree>
     <p:extLst>
       <p:ext uri="{BB962C8B-B14F-4D97-AF65-F5344CB8AC3E}">
-        <p14:creationId xmlns:p14="http://schemas.microsoft.com/office/powerpoint/2010/main" val="1644414377"/>
+        <p14:creationId xmlns:p14="http://schemas.microsoft.com/office/powerpoint/2010/main" val="35010058"/>
       </p:ext>
     </p:extLst>
   </p:cSld>
@@ -4106,14 +4265,12 @@
         </p:nvSpPr>
         <p:spPr/>
         <p:txBody>
-          <a:bodyPr>
-            <a:normAutofit/>
-          </a:bodyPr>
+          <a:bodyPr/>
           <a:lstStyle/>
           <a:p>
             <a:r>
               <a:rPr lang="zh-CN" altLang="en-US" dirty="0" smtClean="0"/>
-              <a:t>组成部分</a:t>
+              <a:t>使用场景</a:t>
             </a:r>
             <a:endParaRPr lang="zh-CN" altLang="en-US" dirty="0"/>
           </a:p>
@@ -4131,75 +4288,20 @@
         </p:nvSpPr>
         <p:spPr/>
         <p:txBody>
-          <a:bodyPr>
-            <a:normAutofit fontScale="77500" lnSpcReduction="20000"/>
-          </a:bodyPr>
+          <a:bodyPr/>
           <a:lstStyle/>
           <a:p>
             <a:r>
               <a:rPr lang="zh-CN" altLang="en-US" dirty="0"/>
-              <a:t>抽象命令类</a:t>
+              <a:t>用处</a:t>
             </a:r>
             <a:r>
               <a:rPr lang="en-US" altLang="zh-CN" dirty="0"/>
-              <a:t>(Command): </a:t>
+              <a:t>:</a:t>
             </a:r>
             <a:r>
               <a:rPr lang="zh-CN" altLang="en-US" dirty="0"/>
-              <a:t>声明执行操作的接口。调用接收者相应的操作，以实现执行的方法</a:t>
-            </a:r>
-            <a:r>
-              <a:rPr lang="en-US" altLang="zh-CN" dirty="0"/>
-              <a:t>Execute</a:t>
-            </a:r>
-            <a:r>
-              <a:rPr lang="zh-CN" altLang="en-US" dirty="0"/>
-              <a:t>。</a:t>
-            </a:r>
-            <a:endParaRPr lang="en-US" altLang="zh-CN" dirty="0"/>
-          </a:p>
-          <a:p>
-            <a:r>
-              <a:rPr lang="zh-CN" altLang="en-US" dirty="0"/>
-              <a:t>具体命令类</a:t>
-            </a:r>
-            <a:r>
-              <a:rPr lang="en-US" altLang="zh-CN" dirty="0"/>
-              <a:t>(ConcreteCommand): </a:t>
-            </a:r>
-            <a:r>
-              <a:rPr lang="zh-CN" altLang="en-US" dirty="0"/>
-              <a:t>创建一个具体命令对象并设定它的接收者。通常会持有接收者，并调用接收者的功能来完成命令要执行的操作。 </a:t>
-            </a:r>
-            <a:endParaRPr lang="zh-CN" altLang="en-US" dirty="0"/>
-          </a:p>
-          <a:p>
-            <a:r>
-              <a:rPr lang="zh-CN" altLang="en-US" dirty="0"/>
-              <a:t>调用者</a:t>
-            </a:r>
-            <a:r>
-              <a:rPr lang="en-US" altLang="zh-CN" dirty="0"/>
-              <a:t>(Invoker): </a:t>
-            </a:r>
-            <a:r>
-              <a:rPr lang="zh-CN" altLang="en-US" dirty="0"/>
-              <a:t>要求该命令执行这个请求。通常会持有命令对象，可以持有很多的命令对象。</a:t>
-            </a:r>
-            <a:endParaRPr lang="zh-CN" altLang="en-US" dirty="0"/>
-          </a:p>
-          <a:p>
-            <a:r>
-              <a:rPr lang="zh-CN" altLang="en-US" dirty="0"/>
-              <a:t>接收者</a:t>
-            </a:r>
-            <a:r>
-              <a:rPr lang="en-US" altLang="zh-CN" dirty="0"/>
-              <a:t>(Receiver): </a:t>
-            </a:r>
-            <a:r>
-              <a:rPr lang="zh-CN" altLang="en-US" dirty="0"/>
-              <a:t>知道如何实施与执行一个请求相关的操作。任何类都可能作为一个接收者</a:t>
+              <a:t>一个软件系统常常要求在某一个对象状态发生变化的时候</a:t>
             </a:r>
             <a:r>
               <a:rPr lang="en-US" altLang="zh-CN" dirty="0"/>
@@ -4207,37 +4309,20 @@
             </a:r>
             <a:r>
               <a:rPr lang="zh-CN" altLang="en-US" dirty="0"/>
-              <a:t>只要它能够实现命令要求实现的相应功能。 </a:t>
-            </a:r>
-            <a:endParaRPr lang="zh-CN" altLang="en-US" dirty="0"/>
-          </a:p>
-          <a:p>
+              <a:t>某些其他的对象作出相应的改变</a:t>
+            </a:r>
+            <a:r>
+              <a:rPr lang="en-US" altLang="zh-CN" dirty="0"/>
+              <a:t>.</a:t>
+            </a:r>
             <a:r>
               <a:rPr lang="zh-CN" altLang="en-US" dirty="0"/>
-              <a:t>客户类</a:t>
-            </a:r>
-            <a:r>
-              <a:rPr lang="en-US" altLang="zh-CN" dirty="0"/>
-              <a:t>(Client): </a:t>
-            </a:r>
-            <a:r>
-              <a:rPr lang="zh-CN" altLang="en-US" dirty="0"/>
-              <a:t>创建具体的命令对象，并且设置命令对象的接收者。真正使用命令的客户端是从</a:t>
-            </a:r>
-            <a:r>
-              <a:rPr lang="en-US" altLang="zh-CN" dirty="0"/>
-              <a:t>Invoker</a:t>
-            </a:r>
-            <a:r>
-              <a:rPr lang="zh-CN" altLang="en-US" dirty="0"/>
-              <a:t>来触发执行。 </a:t>
-            </a:r>
-            <a:endParaRPr lang="zh-CN" altLang="en-US" dirty="0"/>
-          </a:p>
-          <a:p>
-            <a:pPr marL="36576" indent="0">
-              <a:buNone/>
-            </a:pPr>
+              <a:t>为了减少对象之间的耦合有利于系统的复</a:t>
+            </a:r>
+            <a:r>
+              <a:rPr lang="zh-CN" altLang="en-US" dirty="0" smtClean="0"/>
+              <a:t>用。</a:t>
+            </a:r>
             <a:endParaRPr lang="zh-CN" altLang="en-US" dirty="0"/>
           </a:p>
         </p:txBody>
@@ -4245,7 +4330,7 @@
     </p:spTree>
     <p:extLst>
       <p:ext uri="{BB962C8B-B14F-4D97-AF65-F5344CB8AC3E}">
-        <p14:creationId xmlns:p14="http://schemas.microsoft.com/office/powerpoint/2010/main" val="1031679642"/>
+        <p14:creationId xmlns:p14="http://schemas.microsoft.com/office/powerpoint/2010/main" val="3955146205"/>
       </p:ext>
     </p:extLst>
   </p:cSld>
@@ -4289,104 +4374,27 @@
             <p:ph type="title"/>
           </p:nvPr>
         </p:nvSpPr>
-        <p:spPr/>
-        <p:txBody>
-          <a:bodyPr>
-            <a:normAutofit/>
-          </a:bodyPr>
+        <p:spPr>
+          <a:xfrm>
+            <a:off x="1331640" y="2708920"/>
+            <a:ext cx="7467600" cy="1143000"/>
+          </a:xfrm>
+        </p:spPr>
+        <p:txBody>
+          <a:bodyPr/>
           <a:lstStyle/>
           <a:p>
             <a:r>
               <a:rPr lang="zh-CN" altLang="en-US" dirty="0"/>
-              <a:t>实</a:t>
-            </a:r>
-            <a:r>
-              <a:rPr lang="zh-CN" altLang="en-US" dirty="0" smtClean="0"/>
-              <a:t>现</a:t>
-            </a:r>
-            <a:endParaRPr lang="zh-CN" altLang="en-US" dirty="0"/>
-          </a:p>
-        </p:txBody>
-      </p:sp>
-      <p:sp>
-        <p:nvSpPr>
-          <p:cNvPr id="3" name="内容占位符 2"/>
-          <p:cNvSpPr>
-            <a:spLocks noGrp="1"/>
-          </p:cNvSpPr>
-          <p:nvPr>
-            <p:ph idx="1"/>
-          </p:nvPr>
-        </p:nvSpPr>
-        <p:spPr/>
-        <p:txBody>
-          <a:bodyPr>
-            <a:normAutofit fontScale="92500" lnSpcReduction="20000"/>
-          </a:bodyPr>
-          <a:lstStyle/>
-          <a:p>
-            <a:r>
-              <a:rPr lang="zh-CN" altLang="en-US" dirty="0"/>
-              <a:t>电视机遥控器 </a:t>
-            </a:r>
-            <a:r>
-              <a:rPr lang="en-US" altLang="zh-CN" dirty="0"/>
-              <a:t>:</a:t>
-            </a:r>
-            <a:endParaRPr lang="zh-CN" altLang="en-US" dirty="0"/>
-          </a:p>
-          <a:p>
-            <a:r>
-              <a:rPr lang="zh-CN" altLang="en-US" dirty="0"/>
-              <a:t>电视机是请求的接收者，</a:t>
-            </a:r>
-            <a:endParaRPr lang="zh-CN" altLang="en-US" dirty="0"/>
-          </a:p>
-          <a:p>
-            <a:r>
-              <a:rPr lang="zh-CN" altLang="en-US" dirty="0"/>
-              <a:t> 遥控器是请求的发送者，</a:t>
-            </a:r>
-            <a:endParaRPr lang="zh-CN" altLang="en-US" dirty="0"/>
-          </a:p>
-          <a:p>
-            <a:r>
-              <a:rPr lang="zh-CN" altLang="en-US" dirty="0"/>
-              <a:t> 遥控器上有一些按钮，不同的按钮对应电视机的不同操作。抽象命令角色由一个命令接口来扮演，</a:t>
-            </a:r>
-            <a:endParaRPr lang="zh-CN" altLang="en-US" dirty="0"/>
-          </a:p>
-          <a:p>
-            <a:r>
-              <a:rPr lang="zh-CN" altLang="en-US" dirty="0"/>
-              <a:t> 有三个具体的命令类实现了抽象命令接口，这三个具体命令类分别代表三种操作：打开电视机、关闭电视机和切换频道。</a:t>
-            </a:r>
-            <a:endParaRPr lang="zh-CN" altLang="en-US" dirty="0"/>
-          </a:p>
-          <a:p>
-            <a:r>
-              <a:rPr lang="zh-CN" altLang="en-US" dirty="0"/>
-              <a:t> </a:t>
-            </a:r>
-            <a:r>
-              <a:rPr lang="zh-CN" altLang="en-US" dirty="0" smtClean="0"/>
-              <a:t>电</a:t>
-            </a:r>
-            <a:r>
-              <a:rPr lang="zh-CN" altLang="en-US" dirty="0"/>
-              <a:t>视机遥控器就是一个典型的命令模式应用实例。</a:t>
-            </a:r>
-            <a:endParaRPr lang="zh-CN" altLang="en-US" dirty="0"/>
-          </a:p>
-          <a:p>
-            <a:endParaRPr lang="zh-CN" altLang="en-US" dirty="0"/>
+              <a:t>命令模式</a:t>
+            </a:r>
           </a:p>
         </p:txBody>
       </p:sp>
     </p:spTree>
     <p:extLst>
       <p:ext uri="{BB962C8B-B14F-4D97-AF65-F5344CB8AC3E}">
-        <p14:creationId xmlns:p14="http://schemas.microsoft.com/office/powerpoint/2010/main" val="44419207"/>
+        <p14:creationId xmlns:p14="http://schemas.microsoft.com/office/powerpoint/2010/main" val="2861778587"/>
       </p:ext>
     </p:extLst>
   </p:cSld>
@@ -4437,7 +4445,7 @@
           <a:p>
             <a:r>
               <a:rPr lang="zh-CN" altLang="en-US" dirty="0"/>
-              <a:t>适用性</a:t>
+              <a:t>定义</a:t>
             </a:r>
           </a:p>
         </p:txBody>
@@ -4458,65 +4466,13 @@
           <a:lstStyle/>
           <a:p>
             <a:r>
-              <a:rPr lang="en-US" altLang="zh-CN" dirty="0"/>
-              <a:t>1</a:t>
-            </a:r>
-            <a:r>
               <a:rPr lang="zh-CN" altLang="en-US" dirty="0"/>
-              <a:t>）系统需要将请求调用者和请求接收者解耦，使得调用者和接收者不直接交互。</a:t>
-            </a:r>
-            <a:endParaRPr lang="zh-CN" altLang="en-US" dirty="0"/>
-          </a:p>
-          <a:p>
-            <a:r>
-              <a:rPr lang="en-US" altLang="zh-CN" dirty="0"/>
-              <a:t>2</a:t>
-            </a:r>
-            <a:r>
-              <a:rPr lang="zh-CN" altLang="en-US" dirty="0"/>
-              <a:t>）系统需要在不同的时间指定请求、将请求排队和执行请求。</a:t>
-            </a:r>
-            <a:endParaRPr lang="zh-CN" altLang="en-US" dirty="0"/>
-          </a:p>
-          <a:p>
-            <a:r>
-              <a:rPr lang="en-US" altLang="zh-CN" dirty="0"/>
-              <a:t>3</a:t>
-            </a:r>
-            <a:r>
-              <a:rPr lang="zh-CN" altLang="en-US" dirty="0"/>
-              <a:t>）系统需要支持命令的撤销</a:t>
-            </a:r>
-            <a:r>
-              <a:rPr lang="en-US" altLang="zh-CN" dirty="0"/>
-              <a:t>(Undo)</a:t>
-            </a:r>
-            <a:r>
-              <a:rPr lang="zh-CN" altLang="en-US" dirty="0"/>
-              <a:t>操作和恢复</a:t>
-            </a:r>
-            <a:r>
-              <a:rPr lang="en-US" altLang="zh-CN" dirty="0"/>
-              <a:t>(Redo)</a:t>
-            </a:r>
-            <a:r>
-              <a:rPr lang="zh-CN" altLang="en-US" dirty="0"/>
-              <a:t>操作。</a:t>
-            </a:r>
-            <a:endParaRPr lang="zh-CN" altLang="en-US" dirty="0"/>
-          </a:p>
-          <a:p>
-            <a:r>
-              <a:rPr lang="en-US" altLang="zh-CN" dirty="0"/>
-              <a:t>4</a:t>
-            </a:r>
-            <a:r>
-              <a:rPr lang="zh-CN" altLang="en-US" dirty="0"/>
-              <a:t>）系统需要将一组操作组合在一起，即支持宏命令。</a:t>
-            </a:r>
-            <a:endParaRPr lang="zh-CN" altLang="en-US" dirty="0"/>
-          </a:p>
-          <a:p>
+              <a:t>命令模式：将请求封装成对象，以便使用不同的请求、日志、队列等来参数化其他对象。命令模式也支持撤销操作</a:t>
+            </a:r>
+            <a:r>
+              <a:rPr lang="zh-CN" altLang="en-US" dirty="0" smtClean="0"/>
+              <a:t>。</a:t>
+            </a:r>
             <a:endParaRPr lang="zh-CN" altLang="en-US" dirty="0"/>
           </a:p>
         </p:txBody>
@@ -4524,7 +4480,7 @@
     </p:spTree>
     <p:extLst>
       <p:ext uri="{BB962C8B-B14F-4D97-AF65-F5344CB8AC3E}">
-        <p14:creationId xmlns:p14="http://schemas.microsoft.com/office/powerpoint/2010/main" val="183287363"/>
+        <p14:creationId xmlns:p14="http://schemas.microsoft.com/office/powerpoint/2010/main" val="1644414377"/>
       </p:ext>
     </p:extLst>
   </p:cSld>
@@ -4570,83 +4526,69 @@
         </p:nvSpPr>
         <p:spPr/>
         <p:txBody>
-          <a:bodyPr/>
-          <a:lstStyle/>
-          <a:p>
-            <a:r>
-              <a:rPr lang="zh-CN" altLang="en-US" dirty="0"/>
-              <a:t>优</a:t>
-            </a:r>
-            <a:r>
-              <a:rPr lang="zh-CN" altLang="en-US" dirty="0" smtClean="0"/>
-              <a:t>点</a:t>
-            </a:r>
-            <a:endParaRPr lang="zh-CN" altLang="en-US" dirty="0"/>
-          </a:p>
-        </p:txBody>
-      </p:sp>
-      <p:sp>
-        <p:nvSpPr>
-          <p:cNvPr id="3" name="内容占位符 2"/>
-          <p:cNvSpPr>
-            <a:spLocks noGrp="1"/>
-          </p:cNvSpPr>
-          <p:nvPr>
-            <p:ph idx="1"/>
-          </p:nvPr>
-        </p:nvSpPr>
-        <p:spPr/>
-        <p:txBody>
           <a:bodyPr>
             <a:normAutofit/>
           </a:bodyPr>
           <a:lstStyle/>
           <a:p>
             <a:r>
+              <a:rPr lang="zh-CN" altLang="en-US" dirty="0" smtClean="0"/>
+              <a:t>组成部分</a:t>
+            </a:r>
+            <a:endParaRPr lang="zh-CN" altLang="en-US" dirty="0"/>
+          </a:p>
+        </p:txBody>
+      </p:sp>
+      <p:sp>
+        <p:nvSpPr>
+          <p:cNvPr id="3" name="内容占位符 2"/>
+          <p:cNvSpPr>
+            <a:spLocks noGrp="1"/>
+          </p:cNvSpPr>
+          <p:nvPr>
+            <p:ph idx="1"/>
+          </p:nvPr>
+        </p:nvSpPr>
+        <p:spPr/>
+        <p:txBody>
+          <a:bodyPr>
+            <a:normAutofit fontScale="77500" lnSpcReduction="20000"/>
+          </a:bodyPr>
+          <a:lstStyle/>
+          <a:p>
+            <a:r>
               <a:rPr lang="zh-CN" altLang="en-US" dirty="0"/>
-              <a:t>降低系统的耦合度</a:t>
+              <a:t>客户（</a:t>
             </a:r>
             <a:r>
               <a:rPr lang="en-US" altLang="zh-CN" dirty="0"/>
-              <a:t>:Command</a:t>
+              <a:t>Client</a:t>
             </a:r>
             <a:r>
               <a:rPr lang="zh-CN" altLang="en-US" dirty="0"/>
-              <a:t>模式将调用操作的对象与知道如何实现该操作的对象解</a:t>
-            </a:r>
-            <a:r>
-              <a:rPr lang="zh-CN" altLang="en-US" dirty="0" smtClean="0"/>
-              <a:t>耦</a:t>
-            </a:r>
-            <a:endParaRPr lang="en-US" altLang="zh-CN" dirty="0" smtClean="0"/>
-          </a:p>
-          <a:p>
+              <a:t>）角色：创建了一个具体命令</a:t>
+            </a:r>
+            <a:r>
+              <a:rPr lang="en-US" altLang="zh-CN" dirty="0"/>
+              <a:t>(</a:t>
+            </a:r>
+            <a:r>
+              <a:rPr lang="en-US" altLang="zh-CN" dirty="0" err="1"/>
+              <a:t>ConcreteCommand</a:t>
+            </a:r>
+            <a:r>
+              <a:rPr lang="en-US" altLang="zh-CN" dirty="0"/>
+              <a:t>)</a:t>
+            </a:r>
             <a:r>
               <a:rPr lang="zh-CN" altLang="en-US" dirty="0"/>
-              <a:t>组合命令</a:t>
-            </a:r>
-            <a:r>
-              <a:rPr lang="en-US" altLang="zh-CN" dirty="0"/>
-              <a:t>:</a:t>
-            </a:r>
+              <a:t>对象并确定其接收者。 </a:t>
+            </a:r>
+          </a:p>
+          <a:p>
             <a:r>
               <a:rPr lang="zh-CN" altLang="en-US" dirty="0"/>
-              <a:t>你可将多个命令装配成一个组合命令，即可以比较容易地设计一个命令队列和宏命令</a:t>
-            </a:r>
-            <a:r>
-              <a:rPr lang="zh-CN" altLang="en-US" dirty="0" smtClean="0"/>
-              <a:t>。</a:t>
-            </a:r>
-            <a:endParaRPr lang="zh-CN" altLang="en-US" dirty="0"/>
-          </a:p>
-          <a:p>
-            <a:r>
-              <a:rPr lang="zh-CN" altLang="en-US" dirty="0" smtClean="0"/>
-              <a:t>增</a:t>
-            </a:r>
-            <a:r>
-              <a:rPr lang="zh-CN" altLang="en-US" dirty="0"/>
-              <a:t>加新的</a:t>
+              <a:t>命令（</a:t>
             </a:r>
             <a:r>
               <a:rPr lang="en-US" altLang="zh-CN" dirty="0"/>
@@ -4654,45 +4596,71 @@
             </a:r>
             <a:r>
               <a:rPr lang="zh-CN" altLang="en-US" dirty="0"/>
-              <a:t>很容易，因为这无需改变已有的类</a:t>
-            </a:r>
-            <a:r>
-              <a:rPr lang="zh-CN" altLang="en-US" dirty="0" smtClean="0"/>
-              <a:t>。</a:t>
-            </a:r>
+              <a:t>）角色：声明了一个给所有具体命令类的抽象接口。这是一个抽象角色。 </a:t>
+            </a:r>
+          </a:p>
+          <a:p>
             <a:r>
               <a:rPr lang="zh-CN" altLang="en-US" dirty="0"/>
-              <a:t>不需要修改已有的代码。</a:t>
-            </a:r>
-          </a:p>
-          <a:p>
-            <a:r>
-              <a:rPr lang="zh-CN" altLang="en-US" dirty="0" smtClean="0"/>
-              <a:t>可</a:t>
+              <a:t>具体命令（</a:t>
+            </a:r>
+            <a:r>
+              <a:rPr lang="en-US" altLang="zh-CN" dirty="0" err="1"/>
+              <a:t>ConcreteCommand</a:t>
             </a:r>
             <a:r>
               <a:rPr lang="zh-CN" altLang="en-US" dirty="0"/>
-              <a:t>以方便地实现对请求的</a:t>
+              <a:t>）角色：定义一个接受者和行为之间的弱耦合；实现</a:t>
             </a:r>
             <a:r>
               <a:rPr lang="en-US" altLang="zh-CN" dirty="0"/>
-              <a:t>Undo</a:t>
+              <a:t>Execute()</a:t>
             </a:r>
             <a:r>
               <a:rPr lang="zh-CN" altLang="en-US" dirty="0"/>
-              <a:t>和</a:t>
+              <a:t>方法，负责调用接收考的相应操作。</a:t>
             </a:r>
             <a:r>
               <a:rPr lang="en-US" altLang="zh-CN" dirty="0"/>
-              <a:t>Redo</a:t>
+              <a:t>Execute()</a:t>
             </a:r>
             <a:r>
               <a:rPr lang="zh-CN" altLang="en-US" dirty="0"/>
-              <a:t>。</a:t>
-            </a:r>
-            <a:endParaRPr lang="en-US" altLang="zh-CN" dirty="0"/>
-          </a:p>
-          <a:p>
+              <a:t>方法通常叫做执方法。 </a:t>
+            </a:r>
+          </a:p>
+          <a:p>
+            <a:r>
+              <a:rPr lang="zh-CN" altLang="en-US" dirty="0"/>
+              <a:t>请求者（</a:t>
+            </a:r>
+            <a:r>
+              <a:rPr lang="en-US" altLang="zh-CN" dirty="0"/>
+              <a:t>Invoker</a:t>
+            </a:r>
+            <a:r>
+              <a:rPr lang="zh-CN" altLang="en-US" dirty="0"/>
+              <a:t>）角色：负责调用命令对象执行请求，相关的方法叫做行动方法。 </a:t>
+            </a:r>
+          </a:p>
+          <a:p>
+            <a:r>
+              <a:rPr lang="zh-CN" altLang="en-US" dirty="0"/>
+              <a:t>接收者（</a:t>
+            </a:r>
+            <a:r>
+              <a:rPr lang="en-US" altLang="zh-CN" dirty="0"/>
+              <a:t>Receiver</a:t>
+            </a:r>
+            <a:r>
+              <a:rPr lang="zh-CN" altLang="en-US" dirty="0"/>
+              <a:t>）角色：负责具体实施和执行一个请求。任何一个类都可以成为接收者，实施和执行请求的方法叫做行动方法。 </a:t>
+            </a:r>
+          </a:p>
+          <a:p>
+            <a:pPr marL="36576" indent="0">
+              <a:buNone/>
+            </a:pPr>
             <a:endParaRPr lang="zh-CN" altLang="en-US" dirty="0"/>
           </a:p>
         </p:txBody>
@@ -4700,7 +4668,7 @@
     </p:spTree>
     <p:extLst>
       <p:ext uri="{BB962C8B-B14F-4D97-AF65-F5344CB8AC3E}">
-        <p14:creationId xmlns:p14="http://schemas.microsoft.com/office/powerpoint/2010/main" val="1228009515"/>
+        <p14:creationId xmlns:p14="http://schemas.microsoft.com/office/powerpoint/2010/main" val="1031679642"/>
       </p:ext>
     </p:extLst>
   </p:cSld>
@@ -4750,8 +4718,8 @@
           <a:lstStyle/>
           <a:p>
             <a:r>
-              <a:rPr lang="zh-CN" altLang="en-US" b="1" dirty="0"/>
-              <a:t>缺点</a:t>
+              <a:rPr lang="zh-CN" altLang="en-US" dirty="0" smtClean="0"/>
+              <a:t>案例</a:t>
             </a:r>
             <a:endParaRPr lang="zh-CN" altLang="en-US" dirty="0"/>
           </a:p>
@@ -4769,13 +4737,66 @@
         </p:nvSpPr>
         <p:spPr/>
         <p:txBody>
-          <a:bodyPr/>
-          <a:lstStyle/>
+          <a:bodyPr>
+            <a:normAutofit lnSpcReduction="10000"/>
+          </a:bodyPr>
+          <a:lstStyle/>
+          <a:p>
+            <a:r>
+              <a:rPr lang="zh-CN" altLang="en-US" dirty="0" smtClean="0"/>
+              <a:t>电灯遥控器 </a:t>
+            </a:r>
+            <a:r>
+              <a:rPr lang="en-US" altLang="zh-CN" dirty="0" smtClean="0"/>
+              <a:t>:</a:t>
+            </a:r>
+            <a:endParaRPr lang="zh-CN" altLang="en-US" dirty="0" smtClean="0"/>
+          </a:p>
           <a:p>
             <a:r>
               <a:rPr lang="zh-CN" altLang="en-US" dirty="0"/>
-              <a:t>导致某些系统有过多的具体命令类。因为针对每一个命令都需要设计一个具体命令类，因此某些系统可能需要大量具体命令类，这将影响命令模式的使用。</a:t>
-            </a:r>
+              <a:t>电灯</a:t>
+            </a:r>
+            <a:r>
+              <a:rPr lang="zh-CN" altLang="en-US" dirty="0" smtClean="0"/>
+              <a:t>是请求的接收者，</a:t>
+            </a:r>
+          </a:p>
+          <a:p>
+            <a:r>
+              <a:rPr lang="zh-CN" altLang="en-US" dirty="0" smtClean="0"/>
+              <a:t>遥控器是请求的发送者，</a:t>
+            </a:r>
+          </a:p>
+          <a:p>
+            <a:r>
+              <a:rPr lang="zh-CN" altLang="en-US" dirty="0" smtClean="0"/>
+              <a:t>遥控器上有一些按钮，不同的按钮对应电视机的不同操作。抽象命令角色由一个命令接口来扮演，</a:t>
+            </a:r>
+          </a:p>
+          <a:p>
+            <a:r>
+              <a:rPr lang="zh-CN" altLang="en-US" dirty="0" smtClean="0"/>
+              <a:t>有两个具体的命令类实现了抽象命令接口，这</a:t>
+            </a:r>
+            <a:r>
+              <a:rPr lang="zh-CN" altLang="en-US" dirty="0"/>
+              <a:t>两</a:t>
+            </a:r>
+            <a:r>
+              <a:rPr lang="zh-CN" altLang="en-US" dirty="0" smtClean="0"/>
+              <a:t>个具体命令类分别代表两种操作：打开</a:t>
+            </a:r>
+            <a:r>
+              <a:rPr lang="zh-CN" altLang="en-US" dirty="0"/>
+              <a:t>电灯</a:t>
+            </a:r>
+            <a:r>
+              <a:rPr lang="zh-CN" altLang="en-US" dirty="0" smtClean="0"/>
+              <a:t>、关闭电灯。</a:t>
+            </a:r>
+          </a:p>
+          <a:p>
             <a:endParaRPr lang="zh-CN" altLang="en-US" dirty="0"/>
           </a:p>
         </p:txBody>
@@ -4783,7 +4804,7 @@
     </p:spTree>
     <p:extLst>
       <p:ext uri="{BB962C8B-B14F-4D97-AF65-F5344CB8AC3E}">
-        <p14:creationId xmlns:p14="http://schemas.microsoft.com/office/powerpoint/2010/main" val="2880256116"/>
+        <p14:creationId xmlns:p14="http://schemas.microsoft.com/office/powerpoint/2010/main" val="2239750202"/>
       </p:ext>
     </p:extLst>
   </p:cSld>
@@ -4832,78 +4853,132 @@
           <a:bodyPr/>
           <a:lstStyle/>
           <a:p>
-            <a:r>
-              <a:rPr lang="zh-CN" altLang="en-US" dirty="0" smtClean="0"/>
-              <a:t>使用场景</a:t>
-            </a:r>
-            <a:endParaRPr lang="zh-CN" altLang="en-US" dirty="0"/>
-          </a:p>
-        </p:txBody>
-      </p:sp>
-      <p:sp>
-        <p:nvSpPr>
-          <p:cNvPr id="3" name="内容占位符 2"/>
-          <p:cNvSpPr>
-            <a:spLocks noGrp="1"/>
-          </p:cNvSpPr>
-          <p:nvPr>
-            <p:ph idx="1"/>
-          </p:nvPr>
-        </p:nvSpPr>
-        <p:spPr/>
-        <p:txBody>
-          <a:bodyPr/>
-          <a:lstStyle/>
-          <a:p>
-            <a:r>
-              <a:rPr lang="en-US" altLang="zh-CN" dirty="0"/>
-              <a:t>1. </a:t>
-            </a:r>
-            <a:r>
-              <a:rPr lang="zh-CN" altLang="en-US" dirty="0"/>
-              <a:t>命令的发送者和命令执行者有不同的生命周期。命令发送了并不是立即执行。</a:t>
-            </a:r>
-          </a:p>
-          <a:p>
-            <a:r>
-              <a:rPr lang="en-US" altLang="zh-CN" dirty="0"/>
-              <a:t>2. </a:t>
-            </a:r>
-            <a:r>
-              <a:rPr lang="zh-CN" altLang="en-US" dirty="0"/>
-              <a:t>命令需要进行各种管理逻辑。</a:t>
-            </a:r>
-          </a:p>
-          <a:p>
-            <a:r>
-              <a:rPr lang="en-US" altLang="zh-CN" dirty="0"/>
-              <a:t>3. </a:t>
-            </a:r>
-            <a:r>
-              <a:rPr lang="zh-CN" altLang="en-US" dirty="0"/>
-              <a:t>需要支持撤消</a:t>
-            </a:r>
-            <a:r>
-              <a:rPr lang="en-US" altLang="zh-CN" dirty="0"/>
-              <a:t>\</a:t>
-            </a:r>
-            <a:r>
-              <a:rPr lang="zh-CN" altLang="en-US" dirty="0"/>
-              <a:t>重做操作</a:t>
-            </a:r>
-          </a:p>
-          <a:p>
-            <a:pPr marL="36576" indent="0">
-              <a:buNone/>
-            </a:pPr>
-            <a:endParaRPr lang="zh-CN" altLang="en-US" dirty="0"/>
-          </a:p>
-        </p:txBody>
-      </p:sp>
+            <a:endParaRPr lang="zh-CN" altLang="en-US"/>
+          </a:p>
+        </p:txBody>
+      </p:sp>
+      <p:pic>
+        <p:nvPicPr>
+          <p:cNvPr id="8196" name="Picture 4"/>
+          <p:cNvPicPr>
+            <a:picLocks noChangeAspect="1" noChangeArrowheads="1"/>
+          </p:cNvPicPr>
+          <p:nvPr/>
+        </p:nvPicPr>
+        <p:blipFill>
+          <a:blip r:embed="rId2" cstate="print">
+            <a:extLst>
+              <a:ext uri="{28A0092B-C50C-407E-A947-70E740481C1C}">
+                <a14:useLocalDpi xmlns:a14="http://schemas.microsoft.com/office/drawing/2010/main" val="0"/>
+              </a:ext>
+            </a:extLst>
+          </a:blip>
+          <a:srcRect/>
+          <a:stretch>
+            <a:fillRect/>
+          </a:stretch>
+        </p:blipFill>
+        <p:spPr bwMode="auto">
+          <a:xfrm>
+            <a:off x="361409" y="1767273"/>
+            <a:ext cx="4176464" cy="1846933"/>
+          </a:xfrm>
+          <a:prstGeom prst="rect">
+            <a:avLst/>
+          </a:prstGeom>
+          <a:noFill/>
+          <a:ln>
+            <a:noFill/>
+          </a:ln>
+          <a:extLst>
+            <a:ext uri="{909E8E84-426E-40DD-AFC4-6F175D3DCCD1}">
+              <a14:hiddenFill xmlns:a14="http://schemas.microsoft.com/office/drawing/2010/main">
+                <a:solidFill>
+                  <a:schemeClr val="accent1"/>
+                </a:solidFill>
+              </a14:hiddenFill>
+            </a:ext>
+            <a:ext uri="{91240B29-F687-4F45-9708-019B960494DF}">
+              <a14:hiddenLine xmlns:a14="http://schemas.microsoft.com/office/drawing/2010/main" w="9525">
+                <a:solidFill>
+                  <a:schemeClr val="tx1"/>
+                </a:solidFill>
+                <a:miter lim="800000"/>
+                <a:headEnd/>
+                <a:tailEnd/>
+              </a14:hiddenLine>
+            </a:ext>
+          </a:extLst>
+        </p:spPr>
+      </p:pic>
+      <p:pic>
+        <p:nvPicPr>
+          <p:cNvPr id="8197" name="Picture 5"/>
+          <p:cNvPicPr>
+            <a:picLocks noChangeAspect="1" noChangeArrowheads="1"/>
+          </p:cNvPicPr>
+          <p:nvPr/>
+        </p:nvPicPr>
+        <p:blipFill>
+          <a:blip r:embed="rId3">
+            <a:extLst>
+              <a:ext uri="{28A0092B-C50C-407E-A947-70E740481C1C}">
+                <a14:useLocalDpi xmlns:a14="http://schemas.microsoft.com/office/drawing/2010/main" val="0"/>
+              </a:ext>
+            </a:extLst>
+          </a:blip>
+          <a:srcRect/>
+          <a:stretch>
+            <a:fillRect/>
+          </a:stretch>
+        </p:blipFill>
+        <p:spPr bwMode="auto">
+          <a:xfrm>
+            <a:off x="251520" y="3861048"/>
+            <a:ext cx="8617709" cy="2889203"/>
+          </a:xfrm>
+          <a:prstGeom prst="rect">
+            <a:avLst/>
+          </a:prstGeom>
+          <a:noFill/>
+          <a:ln>
+            <a:noFill/>
+          </a:ln>
+          <a:effectLst/>
+          <a:extLst>
+            <a:ext uri="{909E8E84-426E-40DD-AFC4-6F175D3DCCD1}">
+              <a14:hiddenFill xmlns:a14="http://schemas.microsoft.com/office/drawing/2010/main">
+                <a:solidFill>
+                  <a:schemeClr val="accent1"/>
+                </a:solidFill>
+              </a14:hiddenFill>
+            </a:ext>
+            <a:ext uri="{91240B29-F687-4F45-9708-019B960494DF}">
+              <a14:hiddenLine xmlns:a14="http://schemas.microsoft.com/office/drawing/2010/main" w="9525">
+                <a:solidFill>
+                  <a:schemeClr val="tx1"/>
+                </a:solidFill>
+                <a:miter lim="800000"/>
+                <a:headEnd/>
+                <a:tailEnd/>
+              </a14:hiddenLine>
+            </a:ext>
+            <a:ext uri="{AF507438-7753-43E0-B8FC-AC1667EBCBE1}">
+              <a14:hiddenEffects xmlns:a14="http://schemas.microsoft.com/office/drawing/2010/main">
+                <a:effectLst>
+                  <a:outerShdw dist="35921" dir="2700000" algn="ctr" rotWithShape="0">
+                    <a:schemeClr val="bg2"/>
+                  </a:outerShdw>
+                </a:effectLst>
+              </a14:hiddenEffects>
+            </a:ext>
+          </a:extLst>
+        </p:spPr>
+      </p:pic>
     </p:spTree>
     <p:extLst>
       <p:ext uri="{BB962C8B-B14F-4D97-AF65-F5344CB8AC3E}">
-        <p14:creationId xmlns:p14="http://schemas.microsoft.com/office/powerpoint/2010/main" val="2405734974"/>
+        <p14:creationId xmlns:p14="http://schemas.microsoft.com/office/powerpoint/2010/main" val="2214274149"/>
       </p:ext>
     </p:extLst>
   </p:cSld>
@@ -4998,6 +5073,951 @@
     <p:extLst>
       <p:ext uri="{BB962C8B-B14F-4D97-AF65-F5344CB8AC3E}">
         <p14:creationId xmlns:p14="http://schemas.microsoft.com/office/powerpoint/2010/main" val="436238295"/>
+      </p:ext>
+    </p:extLst>
+  </p:cSld>
+  <p:clrMapOvr>
+    <a:masterClrMapping/>
+  </p:clrMapOvr>
+  <p:timing>
+    <p:tnLst>
+      <p:par>
+        <p:cTn id="1" dur="indefinite" restart="never" nodeType="tmRoot"/>
+      </p:par>
+    </p:tnLst>
+  </p:timing>
+</p:sld>
+</file>
+
+<file path=ppt/slides/slide20.xml><?xml version="1.0" encoding="utf-8"?>
+<p:sld xmlns:a="http://schemas.openxmlformats.org/drawingml/2006/main" xmlns:r="http://schemas.openxmlformats.org/officeDocument/2006/relationships" xmlns:p="http://schemas.openxmlformats.org/presentationml/2006/main">
+  <p:cSld>
+    <p:spTree>
+      <p:nvGrpSpPr>
+        <p:cNvPr id="1" name=""/>
+        <p:cNvGrpSpPr/>
+        <p:nvPr/>
+      </p:nvGrpSpPr>
+      <p:grpSpPr>
+        <a:xfrm>
+          <a:off x="0" y="0"/>
+          <a:ext cx="0" cy="0"/>
+          <a:chOff x="0" y="0"/>
+          <a:chExt cx="0" cy="0"/>
+        </a:xfrm>
+      </p:grpSpPr>
+      <p:sp>
+        <p:nvSpPr>
+          <p:cNvPr id="2" name="标题 1"/>
+          <p:cNvSpPr>
+            <a:spLocks noGrp="1"/>
+          </p:cNvSpPr>
+          <p:nvPr>
+            <p:ph type="title"/>
+          </p:nvPr>
+        </p:nvSpPr>
+        <p:spPr/>
+        <p:txBody>
+          <a:bodyPr/>
+          <a:lstStyle/>
+          <a:p>
+            <a:r>
+              <a:rPr lang="zh-CN" altLang="en-US" dirty="0" smtClean="0"/>
+              <a:t>类图</a:t>
+            </a:r>
+            <a:endParaRPr lang="zh-CN" altLang="en-US" dirty="0"/>
+          </a:p>
+        </p:txBody>
+      </p:sp>
+      <p:pic>
+        <p:nvPicPr>
+          <p:cNvPr id="5122" name="Picture 2"/>
+          <p:cNvPicPr>
+            <a:picLocks noChangeAspect="1" noChangeArrowheads="1"/>
+          </p:cNvPicPr>
+          <p:nvPr/>
+        </p:nvPicPr>
+        <p:blipFill>
+          <a:blip r:embed="rId2">
+            <a:extLst>
+              <a:ext uri="{28A0092B-C50C-407E-A947-70E740481C1C}">
+                <a14:useLocalDpi xmlns:a14="http://schemas.microsoft.com/office/drawing/2010/main" val="0"/>
+              </a:ext>
+            </a:extLst>
+          </a:blip>
+          <a:srcRect/>
+          <a:stretch>
+            <a:fillRect/>
+          </a:stretch>
+        </p:blipFill>
+        <p:spPr bwMode="auto">
+          <a:xfrm>
+            <a:off x="467544" y="1669715"/>
+            <a:ext cx="8136904" cy="4915982"/>
+          </a:xfrm>
+          <a:prstGeom prst="rect">
+            <a:avLst/>
+          </a:prstGeom>
+          <a:noFill/>
+          <a:ln>
+            <a:noFill/>
+          </a:ln>
+          <a:extLst>
+            <a:ext uri="{909E8E84-426E-40DD-AFC4-6F175D3DCCD1}">
+              <a14:hiddenFill xmlns:a14="http://schemas.microsoft.com/office/drawing/2010/main">
+                <a:solidFill>
+                  <a:schemeClr val="accent1"/>
+                </a:solidFill>
+              </a14:hiddenFill>
+            </a:ext>
+            <a:ext uri="{91240B29-F687-4F45-9708-019B960494DF}">
+              <a14:hiddenLine xmlns:a14="http://schemas.microsoft.com/office/drawing/2010/main" w="9525">
+                <a:solidFill>
+                  <a:schemeClr val="tx1"/>
+                </a:solidFill>
+                <a:miter lim="800000"/>
+                <a:headEnd/>
+                <a:tailEnd/>
+              </a14:hiddenLine>
+            </a:ext>
+          </a:extLst>
+        </p:spPr>
+      </p:pic>
+    </p:spTree>
+    <p:extLst>
+      <p:ext uri="{BB962C8B-B14F-4D97-AF65-F5344CB8AC3E}">
+        <p14:creationId xmlns:p14="http://schemas.microsoft.com/office/powerpoint/2010/main" val="347648580"/>
+      </p:ext>
+    </p:extLst>
+  </p:cSld>
+  <p:clrMapOvr>
+    <a:masterClrMapping/>
+  </p:clrMapOvr>
+  <p:timing>
+    <p:tnLst>
+      <p:par>
+        <p:cTn id="1" dur="indefinite" restart="never" nodeType="tmRoot"/>
+      </p:par>
+    </p:tnLst>
+  </p:timing>
+</p:sld>
+</file>
+
+<file path=ppt/slides/slide21.xml><?xml version="1.0" encoding="utf-8"?>
+<p:sld xmlns:a="http://schemas.openxmlformats.org/drawingml/2006/main" xmlns:r="http://schemas.openxmlformats.org/officeDocument/2006/relationships" xmlns:p="http://schemas.openxmlformats.org/presentationml/2006/main">
+  <p:cSld>
+    <p:spTree>
+      <p:nvGrpSpPr>
+        <p:cNvPr id="1" name=""/>
+        <p:cNvGrpSpPr/>
+        <p:nvPr/>
+      </p:nvGrpSpPr>
+      <p:grpSpPr>
+        <a:xfrm>
+          <a:off x="0" y="0"/>
+          <a:ext cx="0" cy="0"/>
+          <a:chOff x="0" y="0"/>
+          <a:chExt cx="0" cy="0"/>
+        </a:xfrm>
+      </p:grpSpPr>
+      <p:sp>
+        <p:nvSpPr>
+          <p:cNvPr id="2" name="标题 1"/>
+          <p:cNvSpPr>
+            <a:spLocks noGrp="1"/>
+          </p:cNvSpPr>
+          <p:nvPr>
+            <p:ph type="title"/>
+          </p:nvPr>
+        </p:nvSpPr>
+        <p:spPr/>
+        <p:txBody>
+          <a:bodyPr/>
+          <a:lstStyle/>
+          <a:p>
+            <a:r>
+              <a:rPr lang="zh-CN" altLang="en-US" dirty="0"/>
+              <a:t>适用性</a:t>
+            </a:r>
+          </a:p>
+        </p:txBody>
+      </p:sp>
+      <p:sp>
+        <p:nvSpPr>
+          <p:cNvPr id="3" name="内容占位符 2"/>
+          <p:cNvSpPr>
+            <a:spLocks noGrp="1"/>
+          </p:cNvSpPr>
+          <p:nvPr>
+            <p:ph idx="1"/>
+          </p:nvPr>
+        </p:nvSpPr>
+        <p:spPr/>
+        <p:txBody>
+          <a:bodyPr/>
+          <a:lstStyle/>
+          <a:p>
+            <a:r>
+              <a:rPr lang="en-US" altLang="zh-CN" dirty="0"/>
+              <a:t>1</a:t>
+            </a:r>
+            <a:r>
+              <a:rPr lang="zh-CN" altLang="en-US" dirty="0"/>
+              <a:t>）系统需要将请求调用者和请求接收者解耦，使得调用者和接收者不直接交互。</a:t>
+            </a:r>
+          </a:p>
+          <a:p>
+            <a:r>
+              <a:rPr lang="en-US" altLang="zh-CN" dirty="0"/>
+              <a:t>2</a:t>
+            </a:r>
+            <a:r>
+              <a:rPr lang="zh-CN" altLang="en-US" dirty="0"/>
+              <a:t>）系统需要在不同的时间指定请求、将请求排队和执行请求。</a:t>
+            </a:r>
+          </a:p>
+          <a:p>
+            <a:r>
+              <a:rPr lang="en-US" altLang="zh-CN" dirty="0"/>
+              <a:t>3</a:t>
+            </a:r>
+            <a:r>
+              <a:rPr lang="zh-CN" altLang="en-US" dirty="0"/>
+              <a:t>）系统需要支持命令的撤销</a:t>
+            </a:r>
+            <a:r>
+              <a:rPr lang="en-US" altLang="zh-CN" dirty="0"/>
+              <a:t>(Undo)</a:t>
+            </a:r>
+            <a:r>
+              <a:rPr lang="zh-CN" altLang="en-US" dirty="0"/>
+              <a:t>操作和恢复</a:t>
+            </a:r>
+            <a:r>
+              <a:rPr lang="en-US" altLang="zh-CN" dirty="0"/>
+              <a:t>(Redo)</a:t>
+            </a:r>
+            <a:r>
+              <a:rPr lang="zh-CN" altLang="en-US" dirty="0"/>
+              <a:t>操作。</a:t>
+            </a:r>
+          </a:p>
+          <a:p>
+            <a:r>
+              <a:rPr lang="en-US" altLang="zh-CN" dirty="0"/>
+              <a:t>4</a:t>
+            </a:r>
+            <a:r>
+              <a:rPr lang="zh-CN" altLang="en-US" dirty="0"/>
+              <a:t>）系统需要将一组操作组合在一起，即支持宏命令。</a:t>
+            </a:r>
+          </a:p>
+          <a:p>
+            <a:endParaRPr lang="zh-CN" altLang="en-US" dirty="0"/>
+          </a:p>
+        </p:txBody>
+      </p:sp>
+    </p:spTree>
+    <p:extLst>
+      <p:ext uri="{BB962C8B-B14F-4D97-AF65-F5344CB8AC3E}">
+        <p14:creationId xmlns:p14="http://schemas.microsoft.com/office/powerpoint/2010/main" val="183287363"/>
+      </p:ext>
+    </p:extLst>
+  </p:cSld>
+  <p:clrMapOvr>
+    <a:masterClrMapping/>
+  </p:clrMapOvr>
+  <p:timing>
+    <p:tnLst>
+      <p:par>
+        <p:cTn id="1" dur="indefinite" restart="never" nodeType="tmRoot"/>
+      </p:par>
+    </p:tnLst>
+  </p:timing>
+</p:sld>
+</file>
+
+<file path=ppt/slides/slide22.xml><?xml version="1.0" encoding="utf-8"?>
+<p:sld xmlns:a="http://schemas.openxmlformats.org/drawingml/2006/main" xmlns:r="http://schemas.openxmlformats.org/officeDocument/2006/relationships" xmlns:p="http://schemas.openxmlformats.org/presentationml/2006/main">
+  <p:cSld>
+    <p:spTree>
+      <p:nvGrpSpPr>
+        <p:cNvPr id="1" name=""/>
+        <p:cNvGrpSpPr/>
+        <p:nvPr/>
+      </p:nvGrpSpPr>
+      <p:grpSpPr>
+        <a:xfrm>
+          <a:off x="0" y="0"/>
+          <a:ext cx="0" cy="0"/>
+          <a:chOff x="0" y="0"/>
+          <a:chExt cx="0" cy="0"/>
+        </a:xfrm>
+      </p:grpSpPr>
+      <p:pic>
+        <p:nvPicPr>
+          <p:cNvPr id="6146" name="Picture 2"/>
+          <p:cNvPicPr>
+            <a:picLocks noChangeAspect="1" noChangeArrowheads="1"/>
+          </p:cNvPicPr>
+          <p:nvPr/>
+        </p:nvPicPr>
+        <p:blipFill>
+          <a:blip r:embed="rId2">
+            <a:extLst>
+              <a:ext uri="{28A0092B-C50C-407E-A947-70E740481C1C}">
+                <a14:useLocalDpi xmlns:a14="http://schemas.microsoft.com/office/drawing/2010/main" val="0"/>
+              </a:ext>
+            </a:extLst>
+          </a:blip>
+          <a:srcRect/>
+          <a:stretch>
+            <a:fillRect/>
+          </a:stretch>
+        </p:blipFill>
+        <p:spPr bwMode="auto">
+          <a:xfrm>
+            <a:off x="133247" y="535814"/>
+            <a:ext cx="4608512" cy="3289230"/>
+          </a:xfrm>
+          <a:prstGeom prst="rect">
+            <a:avLst/>
+          </a:prstGeom>
+          <a:noFill/>
+          <a:ln>
+            <a:noFill/>
+          </a:ln>
+          <a:extLst>
+            <a:ext uri="{909E8E84-426E-40DD-AFC4-6F175D3DCCD1}">
+              <a14:hiddenFill xmlns:a14="http://schemas.microsoft.com/office/drawing/2010/main">
+                <a:solidFill>
+                  <a:schemeClr val="accent1"/>
+                </a:solidFill>
+              </a14:hiddenFill>
+            </a:ext>
+            <a:ext uri="{91240B29-F687-4F45-9708-019B960494DF}">
+              <a14:hiddenLine xmlns:a14="http://schemas.microsoft.com/office/drawing/2010/main" w="9525">
+                <a:solidFill>
+                  <a:schemeClr val="tx1"/>
+                </a:solidFill>
+                <a:miter lim="800000"/>
+                <a:headEnd/>
+                <a:tailEnd/>
+              </a14:hiddenLine>
+            </a:ext>
+          </a:extLst>
+        </p:spPr>
+      </p:pic>
+      <p:pic>
+        <p:nvPicPr>
+          <p:cNvPr id="6147" name="Picture 3"/>
+          <p:cNvPicPr>
+            <a:picLocks noChangeAspect="1" noChangeArrowheads="1"/>
+          </p:cNvPicPr>
+          <p:nvPr/>
+        </p:nvPicPr>
+        <p:blipFill>
+          <a:blip r:embed="rId3">
+            <a:extLst>
+              <a:ext uri="{28A0092B-C50C-407E-A947-70E740481C1C}">
+                <a14:useLocalDpi xmlns:a14="http://schemas.microsoft.com/office/drawing/2010/main" val="0"/>
+              </a:ext>
+            </a:extLst>
+          </a:blip>
+          <a:srcRect/>
+          <a:stretch>
+            <a:fillRect/>
+          </a:stretch>
+        </p:blipFill>
+        <p:spPr bwMode="auto">
+          <a:xfrm>
+            <a:off x="4067944" y="3140968"/>
+            <a:ext cx="4824536" cy="3410013"/>
+          </a:xfrm>
+          <a:prstGeom prst="rect">
+            <a:avLst/>
+          </a:prstGeom>
+          <a:noFill/>
+          <a:ln>
+            <a:noFill/>
+          </a:ln>
+          <a:extLst>
+            <a:ext uri="{909E8E84-426E-40DD-AFC4-6F175D3DCCD1}">
+              <a14:hiddenFill xmlns:a14="http://schemas.microsoft.com/office/drawing/2010/main">
+                <a:solidFill>
+                  <a:schemeClr val="accent1"/>
+                </a:solidFill>
+              </a14:hiddenFill>
+            </a:ext>
+            <a:ext uri="{91240B29-F687-4F45-9708-019B960494DF}">
+              <a14:hiddenLine xmlns:a14="http://schemas.microsoft.com/office/drawing/2010/main" w="9525">
+                <a:solidFill>
+                  <a:schemeClr val="tx1"/>
+                </a:solidFill>
+                <a:miter lim="800000"/>
+                <a:headEnd/>
+                <a:tailEnd/>
+              </a14:hiddenLine>
+            </a:ext>
+          </a:extLst>
+        </p:spPr>
+      </p:pic>
+    </p:spTree>
+    <p:extLst>
+      <p:ext uri="{BB962C8B-B14F-4D97-AF65-F5344CB8AC3E}">
+        <p14:creationId xmlns:p14="http://schemas.microsoft.com/office/powerpoint/2010/main" val="4269965662"/>
+      </p:ext>
+    </p:extLst>
+  </p:cSld>
+  <p:clrMapOvr>
+    <a:masterClrMapping/>
+  </p:clrMapOvr>
+  <p:timing>
+    <p:tnLst>
+      <p:par>
+        <p:cTn id="1" dur="indefinite" restart="never" nodeType="tmRoot"/>
+      </p:par>
+    </p:tnLst>
+  </p:timing>
+</p:sld>
+</file>
+
+<file path=ppt/slides/slide23.xml><?xml version="1.0" encoding="utf-8"?>
+<p:sld xmlns:a="http://schemas.openxmlformats.org/drawingml/2006/main" xmlns:r="http://schemas.openxmlformats.org/officeDocument/2006/relationships" xmlns:p="http://schemas.openxmlformats.org/presentationml/2006/main">
+  <p:cSld>
+    <p:spTree>
+      <p:nvGrpSpPr>
+        <p:cNvPr id="1" name=""/>
+        <p:cNvGrpSpPr/>
+        <p:nvPr/>
+      </p:nvGrpSpPr>
+      <p:grpSpPr>
+        <a:xfrm>
+          <a:off x="0" y="0"/>
+          <a:ext cx="0" cy="0"/>
+          <a:chOff x="0" y="0"/>
+          <a:chExt cx="0" cy="0"/>
+        </a:xfrm>
+      </p:grpSpPr>
+      <p:sp>
+        <p:nvSpPr>
+          <p:cNvPr id="2" name="标题 1"/>
+          <p:cNvSpPr>
+            <a:spLocks noGrp="1"/>
+          </p:cNvSpPr>
+          <p:nvPr>
+            <p:ph type="title"/>
+          </p:nvPr>
+        </p:nvSpPr>
+        <p:spPr/>
+        <p:txBody>
+          <a:bodyPr/>
+          <a:lstStyle/>
+          <a:p>
+            <a:r>
+              <a:rPr lang="zh-CN" altLang="en-US" dirty="0"/>
+              <a:t>优</a:t>
+            </a:r>
+            <a:r>
+              <a:rPr lang="zh-CN" altLang="en-US" dirty="0" smtClean="0"/>
+              <a:t>点</a:t>
+            </a:r>
+            <a:endParaRPr lang="zh-CN" altLang="en-US" dirty="0"/>
+          </a:p>
+        </p:txBody>
+      </p:sp>
+      <p:sp>
+        <p:nvSpPr>
+          <p:cNvPr id="3" name="内容占位符 2"/>
+          <p:cNvSpPr>
+            <a:spLocks noGrp="1"/>
+          </p:cNvSpPr>
+          <p:nvPr>
+            <p:ph idx="1"/>
+          </p:nvPr>
+        </p:nvSpPr>
+        <p:spPr/>
+        <p:txBody>
+          <a:bodyPr>
+            <a:normAutofit/>
+          </a:bodyPr>
+          <a:lstStyle/>
+          <a:p>
+            <a:r>
+              <a:rPr lang="zh-CN" altLang="en-US" dirty="0"/>
+              <a:t>降低系统的耦合度</a:t>
+            </a:r>
+            <a:r>
+              <a:rPr lang="en-US" altLang="zh-CN" dirty="0"/>
+              <a:t>:Command</a:t>
+            </a:r>
+            <a:r>
+              <a:rPr lang="zh-CN" altLang="en-US" dirty="0"/>
+              <a:t>模式将调用操作的对象与知道如何实现该操作的对象解</a:t>
+            </a:r>
+            <a:r>
+              <a:rPr lang="zh-CN" altLang="en-US" dirty="0" smtClean="0"/>
+              <a:t>耦</a:t>
+            </a:r>
+            <a:endParaRPr lang="en-US" altLang="zh-CN" dirty="0" smtClean="0"/>
+          </a:p>
+          <a:p>
+            <a:r>
+              <a:rPr lang="zh-CN" altLang="en-US" dirty="0"/>
+              <a:t>组合命令</a:t>
+            </a:r>
+            <a:r>
+              <a:rPr lang="en-US" altLang="zh-CN" dirty="0"/>
+              <a:t>:</a:t>
+            </a:r>
+            <a:r>
+              <a:rPr lang="zh-CN" altLang="en-US" dirty="0"/>
+              <a:t>你可将多个命令装配成一个组合命令，即可以比较容易地设计一个命令队列和宏命令</a:t>
+            </a:r>
+            <a:r>
+              <a:rPr lang="zh-CN" altLang="en-US" dirty="0" smtClean="0"/>
+              <a:t>。</a:t>
+            </a:r>
+            <a:endParaRPr lang="zh-CN" altLang="en-US" dirty="0"/>
+          </a:p>
+          <a:p>
+            <a:r>
+              <a:rPr lang="zh-CN" altLang="en-US" dirty="0" smtClean="0"/>
+              <a:t>增</a:t>
+            </a:r>
+            <a:r>
+              <a:rPr lang="zh-CN" altLang="en-US" dirty="0"/>
+              <a:t>加新的</a:t>
+            </a:r>
+            <a:r>
+              <a:rPr lang="en-US" altLang="zh-CN" dirty="0"/>
+              <a:t>Command</a:t>
+            </a:r>
+            <a:r>
+              <a:rPr lang="zh-CN" altLang="en-US" dirty="0"/>
+              <a:t>很容易，因为这无需改变已有的类</a:t>
+            </a:r>
+            <a:r>
+              <a:rPr lang="zh-CN" altLang="en-US" dirty="0" smtClean="0"/>
+              <a:t>。</a:t>
+            </a:r>
+            <a:r>
+              <a:rPr lang="zh-CN" altLang="en-US" dirty="0"/>
+              <a:t>不需要修改已有的代码。</a:t>
+            </a:r>
+          </a:p>
+          <a:p>
+            <a:r>
+              <a:rPr lang="zh-CN" altLang="en-US" dirty="0" smtClean="0"/>
+              <a:t>可</a:t>
+            </a:r>
+            <a:r>
+              <a:rPr lang="zh-CN" altLang="en-US" dirty="0"/>
+              <a:t>以方便地实现对请求的</a:t>
+            </a:r>
+            <a:r>
+              <a:rPr lang="en-US" altLang="zh-CN" dirty="0"/>
+              <a:t>Undo</a:t>
+            </a:r>
+            <a:r>
+              <a:rPr lang="zh-CN" altLang="en-US" dirty="0"/>
+              <a:t>和</a:t>
+            </a:r>
+            <a:r>
+              <a:rPr lang="en-US" altLang="zh-CN" dirty="0"/>
+              <a:t>Redo</a:t>
+            </a:r>
+            <a:r>
+              <a:rPr lang="zh-CN" altLang="en-US" dirty="0"/>
+              <a:t>。</a:t>
+            </a:r>
+            <a:endParaRPr lang="en-US" altLang="zh-CN" dirty="0"/>
+          </a:p>
+          <a:p>
+            <a:endParaRPr lang="zh-CN" altLang="en-US" dirty="0"/>
+          </a:p>
+        </p:txBody>
+      </p:sp>
+    </p:spTree>
+    <p:extLst>
+      <p:ext uri="{BB962C8B-B14F-4D97-AF65-F5344CB8AC3E}">
+        <p14:creationId xmlns:p14="http://schemas.microsoft.com/office/powerpoint/2010/main" val="1228009515"/>
+      </p:ext>
+    </p:extLst>
+  </p:cSld>
+  <p:clrMapOvr>
+    <a:masterClrMapping/>
+  </p:clrMapOvr>
+  <p:timing>
+    <p:tnLst>
+      <p:par>
+        <p:cTn id="1" dur="indefinite" restart="never" nodeType="tmRoot"/>
+      </p:par>
+    </p:tnLst>
+  </p:timing>
+</p:sld>
+</file>
+
+<file path=ppt/slides/slide24.xml><?xml version="1.0" encoding="utf-8"?>
+<p:sld xmlns:a="http://schemas.openxmlformats.org/drawingml/2006/main" xmlns:r="http://schemas.openxmlformats.org/officeDocument/2006/relationships" xmlns:p="http://schemas.openxmlformats.org/presentationml/2006/main">
+  <p:cSld>
+    <p:spTree>
+      <p:nvGrpSpPr>
+        <p:cNvPr id="1" name=""/>
+        <p:cNvGrpSpPr/>
+        <p:nvPr/>
+      </p:nvGrpSpPr>
+      <p:grpSpPr>
+        <a:xfrm>
+          <a:off x="0" y="0"/>
+          <a:ext cx="0" cy="0"/>
+          <a:chOff x="0" y="0"/>
+          <a:chExt cx="0" cy="0"/>
+        </a:xfrm>
+      </p:grpSpPr>
+      <p:sp>
+        <p:nvSpPr>
+          <p:cNvPr id="2" name="标题 1"/>
+          <p:cNvSpPr>
+            <a:spLocks noGrp="1"/>
+          </p:cNvSpPr>
+          <p:nvPr>
+            <p:ph type="title"/>
+          </p:nvPr>
+        </p:nvSpPr>
+        <p:spPr/>
+        <p:txBody>
+          <a:bodyPr/>
+          <a:lstStyle/>
+          <a:p>
+            <a:r>
+              <a:rPr lang="zh-CN" altLang="en-US" b="1" dirty="0"/>
+              <a:t>缺点</a:t>
+            </a:r>
+            <a:endParaRPr lang="zh-CN" altLang="en-US" dirty="0"/>
+          </a:p>
+        </p:txBody>
+      </p:sp>
+      <p:sp>
+        <p:nvSpPr>
+          <p:cNvPr id="3" name="内容占位符 2"/>
+          <p:cNvSpPr>
+            <a:spLocks noGrp="1"/>
+          </p:cNvSpPr>
+          <p:nvPr>
+            <p:ph idx="1"/>
+          </p:nvPr>
+        </p:nvSpPr>
+        <p:spPr/>
+        <p:txBody>
+          <a:bodyPr/>
+          <a:lstStyle/>
+          <a:p>
+            <a:r>
+              <a:rPr lang="zh-CN" altLang="en-US" dirty="0"/>
+              <a:t>导致某些系统有过多的具体命令类。因为针对每一个命令都需要设计一个具体命令类，因此某些系统可能需要大量具体命令类，这将影响命令模式的使用。</a:t>
+            </a:r>
+          </a:p>
+        </p:txBody>
+      </p:sp>
+    </p:spTree>
+    <p:extLst>
+      <p:ext uri="{BB962C8B-B14F-4D97-AF65-F5344CB8AC3E}">
+        <p14:creationId xmlns:p14="http://schemas.microsoft.com/office/powerpoint/2010/main" val="2880256116"/>
+      </p:ext>
+    </p:extLst>
+  </p:cSld>
+  <p:clrMapOvr>
+    <a:masterClrMapping/>
+  </p:clrMapOvr>
+  <p:timing>
+    <p:tnLst>
+      <p:par>
+        <p:cTn id="1" dur="indefinite" restart="never" nodeType="tmRoot"/>
+      </p:par>
+    </p:tnLst>
+  </p:timing>
+</p:sld>
+</file>
+
+<file path=ppt/slides/slide25.xml><?xml version="1.0" encoding="utf-8"?>
+<p:sld xmlns:a="http://schemas.openxmlformats.org/drawingml/2006/main" xmlns:r="http://schemas.openxmlformats.org/officeDocument/2006/relationships" xmlns:p="http://schemas.openxmlformats.org/presentationml/2006/main">
+  <p:cSld>
+    <p:spTree>
+      <p:nvGrpSpPr>
+        <p:cNvPr id="1" name=""/>
+        <p:cNvGrpSpPr/>
+        <p:nvPr/>
+      </p:nvGrpSpPr>
+      <p:grpSpPr>
+        <a:xfrm>
+          <a:off x="0" y="0"/>
+          <a:ext cx="0" cy="0"/>
+          <a:chOff x="0" y="0"/>
+          <a:chExt cx="0" cy="0"/>
+        </a:xfrm>
+      </p:grpSpPr>
+      <p:sp>
+        <p:nvSpPr>
+          <p:cNvPr id="2" name="标题 1"/>
+          <p:cNvSpPr>
+            <a:spLocks noGrp="1"/>
+          </p:cNvSpPr>
+          <p:nvPr>
+            <p:ph type="title"/>
+          </p:nvPr>
+        </p:nvSpPr>
+        <p:spPr/>
+        <p:txBody>
+          <a:bodyPr/>
+          <a:lstStyle/>
+          <a:p>
+            <a:r>
+              <a:rPr lang="zh-CN" altLang="en-US" dirty="0" smtClean="0"/>
+              <a:t>使用场景</a:t>
+            </a:r>
+            <a:endParaRPr lang="zh-CN" altLang="en-US" dirty="0"/>
+          </a:p>
+        </p:txBody>
+      </p:sp>
+      <p:sp>
+        <p:nvSpPr>
+          <p:cNvPr id="3" name="内容占位符 2"/>
+          <p:cNvSpPr>
+            <a:spLocks noGrp="1"/>
+          </p:cNvSpPr>
+          <p:nvPr>
+            <p:ph idx="1"/>
+          </p:nvPr>
+        </p:nvSpPr>
+        <p:spPr/>
+        <p:txBody>
+          <a:bodyPr/>
+          <a:lstStyle/>
+          <a:p>
+            <a:r>
+              <a:rPr lang="en-US" altLang="zh-CN" dirty="0"/>
+              <a:t>1. </a:t>
+            </a:r>
+            <a:r>
+              <a:rPr lang="zh-CN" altLang="en-US" dirty="0"/>
+              <a:t>命令的发送者和命令执行者有不同的生命周期。命令发送了并不是立即执行。</a:t>
+            </a:r>
+          </a:p>
+          <a:p>
+            <a:r>
+              <a:rPr lang="en-US" altLang="zh-CN" dirty="0"/>
+              <a:t>2. </a:t>
+            </a:r>
+            <a:r>
+              <a:rPr lang="zh-CN" altLang="en-US" dirty="0"/>
+              <a:t>命令需要进行各种管理逻辑。</a:t>
+            </a:r>
+          </a:p>
+          <a:p>
+            <a:r>
+              <a:rPr lang="en-US" altLang="zh-CN" dirty="0"/>
+              <a:t>3. </a:t>
+            </a:r>
+            <a:r>
+              <a:rPr lang="zh-CN" altLang="en-US" dirty="0"/>
+              <a:t>需要支持撤消</a:t>
+            </a:r>
+            <a:r>
+              <a:rPr lang="en-US" altLang="zh-CN" dirty="0"/>
+              <a:t>\</a:t>
+            </a:r>
+            <a:r>
+              <a:rPr lang="zh-CN" altLang="en-US" dirty="0"/>
+              <a:t>重做操作</a:t>
+            </a:r>
+          </a:p>
+          <a:p>
+            <a:pPr marL="36576" indent="0">
+              <a:buNone/>
+            </a:pPr>
+            <a:endParaRPr lang="zh-CN" altLang="en-US" dirty="0"/>
+          </a:p>
+        </p:txBody>
+      </p:sp>
+    </p:spTree>
+    <p:extLst>
+      <p:ext uri="{BB962C8B-B14F-4D97-AF65-F5344CB8AC3E}">
+        <p14:creationId xmlns:p14="http://schemas.microsoft.com/office/powerpoint/2010/main" val="2405734974"/>
+      </p:ext>
+    </p:extLst>
+  </p:cSld>
+  <p:clrMapOvr>
+    <a:masterClrMapping/>
+  </p:clrMapOvr>
+  <p:timing>
+    <p:tnLst>
+      <p:par>
+        <p:cTn id="1" dur="indefinite" restart="never" nodeType="tmRoot"/>
+      </p:par>
+    </p:tnLst>
+  </p:timing>
+</p:sld>
+</file>
+
+<file path=ppt/slides/slide26.xml><?xml version="1.0" encoding="utf-8"?>
+<p:sld xmlns:a="http://schemas.openxmlformats.org/drawingml/2006/main" xmlns:r="http://schemas.openxmlformats.org/officeDocument/2006/relationships" xmlns:p="http://schemas.openxmlformats.org/presentationml/2006/main">
+  <p:cSld>
+    <p:spTree>
+      <p:nvGrpSpPr>
+        <p:cNvPr id="1" name=""/>
+        <p:cNvGrpSpPr/>
+        <p:nvPr/>
+      </p:nvGrpSpPr>
+      <p:grpSpPr>
+        <a:xfrm>
+          <a:off x="0" y="0"/>
+          <a:ext cx="0" cy="0"/>
+          <a:chOff x="0" y="0"/>
+          <a:chExt cx="0" cy="0"/>
+        </a:xfrm>
+      </p:grpSpPr>
+      <p:sp>
+        <p:nvSpPr>
+          <p:cNvPr id="2" name="标题 1"/>
+          <p:cNvSpPr>
+            <a:spLocks noGrp="1"/>
+          </p:cNvSpPr>
+          <p:nvPr>
+            <p:ph type="title"/>
+          </p:nvPr>
+        </p:nvSpPr>
+        <p:spPr/>
+        <p:txBody>
+          <a:bodyPr/>
+          <a:lstStyle/>
+          <a:p>
+            <a:r>
+              <a:rPr lang="en-US" altLang="zh-CN" dirty="0"/>
+              <a:t>example</a:t>
+            </a:r>
+            <a:endParaRPr lang="zh-CN" altLang="en-US" dirty="0"/>
+          </a:p>
+        </p:txBody>
+      </p:sp>
+      <p:graphicFrame>
+        <p:nvGraphicFramePr>
+          <p:cNvPr id="4" name="对象 3"/>
+          <p:cNvGraphicFramePr>
+            <a:graphicFrameLocks noChangeAspect="1"/>
+          </p:cNvGraphicFramePr>
+          <p:nvPr>
+            <p:extLst>
+              <p:ext uri="{D42A27DB-BD31-4B8C-83A1-F6EECF244321}">
+                <p14:modId xmlns:p14="http://schemas.microsoft.com/office/powerpoint/2010/main" val="1812870995"/>
+              </p:ext>
+            </p:extLst>
+          </p:nvPr>
+        </p:nvGraphicFramePr>
+        <p:xfrm>
+          <a:off x="1259632" y="2996952"/>
+          <a:ext cx="2070100" cy="712787"/>
+        </p:xfrm>
+        <a:graphic>
+          <a:graphicData uri="http://schemas.openxmlformats.org/presentationml/2006/ole">
+            <mc:AlternateContent xmlns:mc="http://schemas.openxmlformats.org/markup-compatibility/2006">
+              <mc:Choice xmlns:v="urn:schemas-microsoft-com:vml" Requires="v">
+                <p:oleObj spid="_x0000_s7181" name="包装程序外壳对象" showAsIcon="1" r:id="rId3" imgW="2070000" imgH="712440" progId="Package">
+                  <p:embed/>
+                </p:oleObj>
+              </mc:Choice>
+              <mc:Fallback>
+                <p:oleObj name="包装程序外壳对象" showAsIcon="1" r:id="rId3" imgW="2070000" imgH="712440" progId="Package">
+                  <p:embed/>
+                  <p:pic>
+                    <p:nvPicPr>
+                      <p:cNvPr id="0" name=""/>
+                      <p:cNvPicPr/>
+                      <p:nvPr/>
+                    </p:nvPicPr>
+                    <p:blipFill>
+                      <a:blip r:embed="rId4"/>
+                      <a:stretch>
+                        <a:fillRect/>
+                      </a:stretch>
+                    </p:blipFill>
+                    <p:spPr>
+                      <a:xfrm>
+                        <a:off x="1259632" y="2996952"/>
+                        <a:ext cx="2070100" cy="712787"/>
+                      </a:xfrm>
+                      <a:prstGeom prst="rect">
+                        <a:avLst/>
+                      </a:prstGeom>
+                    </p:spPr>
+                  </p:pic>
+                </p:oleObj>
+              </mc:Fallback>
+            </mc:AlternateContent>
+          </a:graphicData>
+        </a:graphic>
+      </p:graphicFrame>
+      <p:graphicFrame>
+        <p:nvGraphicFramePr>
+          <p:cNvPr id="5" name="对象 4"/>
+          <p:cNvGraphicFramePr>
+            <a:graphicFrameLocks noChangeAspect="1"/>
+          </p:cNvGraphicFramePr>
+          <p:nvPr>
+            <p:extLst>
+              <p:ext uri="{D42A27DB-BD31-4B8C-83A1-F6EECF244321}">
+                <p14:modId xmlns:p14="http://schemas.microsoft.com/office/powerpoint/2010/main" val="2892157819"/>
+              </p:ext>
+            </p:extLst>
+          </p:nvPr>
+        </p:nvGraphicFramePr>
+        <p:xfrm>
+          <a:off x="5076056" y="3068960"/>
+          <a:ext cx="1358900" cy="712787"/>
+        </p:xfrm>
+        <a:graphic>
+          <a:graphicData uri="http://schemas.openxmlformats.org/presentationml/2006/ole">
+            <mc:AlternateContent xmlns:mc="http://schemas.openxmlformats.org/markup-compatibility/2006">
+              <mc:Choice xmlns:v="urn:schemas-microsoft-com:vml" Requires="v">
+                <p:oleObj spid="_x0000_s7182" name="包装程序外壳对象" showAsIcon="1" r:id="rId5" imgW="1359000" imgH="712440" progId="Package">
+                  <p:embed/>
+                </p:oleObj>
+              </mc:Choice>
+              <mc:Fallback>
+                <p:oleObj name="包装程序外壳对象" showAsIcon="1" r:id="rId5" imgW="1359000" imgH="712440" progId="Package">
+                  <p:embed/>
+                  <p:pic>
+                    <p:nvPicPr>
+                      <p:cNvPr id="0" name=""/>
+                      <p:cNvPicPr/>
+                      <p:nvPr/>
+                    </p:nvPicPr>
+                    <p:blipFill>
+                      <a:blip r:embed="rId6"/>
+                      <a:stretch>
+                        <a:fillRect/>
+                      </a:stretch>
+                    </p:blipFill>
+                    <p:spPr>
+                      <a:xfrm>
+                        <a:off x="5076056" y="3068960"/>
+                        <a:ext cx="1358900" cy="712787"/>
+                      </a:xfrm>
+                      <a:prstGeom prst="rect">
+                        <a:avLst/>
+                      </a:prstGeom>
+                    </p:spPr>
+                  </p:pic>
+                </p:oleObj>
+              </mc:Fallback>
+            </mc:AlternateContent>
+          </a:graphicData>
+        </a:graphic>
+      </p:graphicFrame>
+    </p:spTree>
+    <p:extLst>
+      <p:ext uri="{BB962C8B-B14F-4D97-AF65-F5344CB8AC3E}">
+        <p14:creationId xmlns:p14="http://schemas.microsoft.com/office/powerpoint/2010/main" val="1076479092"/>
       </p:ext>
     </p:extLst>
   </p:cSld>
@@ -5181,7 +6201,6 @@
               <a:rPr lang="zh-CN" altLang="en-US" dirty="0"/>
               <a:t>给观察者模式如下定义：定义对象间的一种一对多的依赖关系，当一个对象的状态发生改变时，所有依赖于它的对象都得到通知并被自动更新。</a:t>
             </a:r>
-            <a:endParaRPr lang="zh-CN" altLang="en-US" dirty="0"/>
           </a:p>
         </p:txBody>
       </p:sp>
@@ -5283,7 +6302,6 @@
               <a:rPr lang="zh-CN" altLang="en-US" dirty="0"/>
               <a:t>）：目标角色知道它的观察者，可以有任意多个观察者观察同一个目标。并且提供注册和删除观察者对象的接口。目标角色往往由抽象类或者接口来实现。</a:t>
             </a:r>
-            <a:endParaRPr lang="zh-CN" altLang="en-US" dirty="0"/>
           </a:p>
           <a:p>
             <a:pPr lvl="1"/>
@@ -5307,7 +6325,6 @@
               <a:rPr lang="zh-CN" altLang="en-US" dirty="0"/>
               <a:t>）：为那些在目标发生改变时需要获得通知的对象定义一个更新接口。抽象观察者角色主要由抽象类或者接口来实现。</a:t>
             </a:r>
-            <a:endParaRPr lang="zh-CN" altLang="en-US" dirty="0"/>
           </a:p>
           <a:p>
             <a:pPr lvl="1"/>
@@ -5347,7 +6364,6 @@
               <a:rPr lang="zh-CN" altLang="en-US" dirty="0"/>
               <a:t>向它的各个观察者发出通知。</a:t>
             </a:r>
-            <a:endParaRPr lang="zh-CN" altLang="en-US" dirty="0"/>
           </a:p>
           <a:p>
             <a:pPr lvl="1"/>
@@ -5387,7 +6403,6 @@
               <a:rPr lang="zh-CN" altLang="en-US" dirty="0"/>
               <a:t>对象的引用。</a:t>
             </a:r>
-            <a:endParaRPr lang="zh-CN" altLang="en-US" dirty="0"/>
           </a:p>
           <a:p>
             <a:endParaRPr lang="zh-CN" altLang="en-US" dirty="0"/>
@@ -5447,17 +6462,593 @@
           <a:lstStyle/>
           <a:p>
             <a:r>
-              <a:rPr lang="zh-CN" altLang="en-US" dirty="0" smtClean="0"/>
-              <a:t>实现</a:t>
-            </a:r>
-            <a:endParaRPr lang="zh-CN" altLang="en-US" dirty="0"/>
-          </a:p>
-        </p:txBody>
-      </p:sp>
+              <a:rPr lang="zh-CN" altLang="en-US" dirty="0"/>
+              <a:t>案例</a:t>
+            </a:r>
+          </a:p>
+        </p:txBody>
+      </p:sp>
+      <p:sp>
+        <p:nvSpPr>
+          <p:cNvPr id="24" name="Cloud"/>
+          <p:cNvSpPr>
+            <a:spLocks noChangeAspect="1" noEditPoints="1" noChangeArrowheads="1"/>
+          </p:cNvSpPr>
+          <p:nvPr/>
+        </p:nvSpPr>
+        <p:spPr bwMode="auto">
+          <a:xfrm>
+            <a:off x="755576" y="1124744"/>
+            <a:ext cx="3816424" cy="1626673"/>
+          </a:xfrm>
+          <a:custGeom>
+            <a:avLst/>
+            <a:gdLst>
+              <a:gd name="T0" fmla="*/ 67 w 21600"/>
+              <a:gd name="T1" fmla="*/ 10800 h 21600"/>
+              <a:gd name="T2" fmla="*/ 10800 w 21600"/>
+              <a:gd name="T3" fmla="*/ 21577 h 21600"/>
+              <a:gd name="T4" fmla="*/ 21582 w 21600"/>
+              <a:gd name="T5" fmla="*/ 10800 h 21600"/>
+              <a:gd name="T6" fmla="*/ 10800 w 21600"/>
+              <a:gd name="T7" fmla="*/ 1235 h 21600"/>
+              <a:gd name="T8" fmla="*/ 2977 w 21600"/>
+              <a:gd name="T9" fmla="*/ 3262 h 21600"/>
+              <a:gd name="T10" fmla="*/ 17087 w 21600"/>
+              <a:gd name="T11" fmla="*/ 17337 h 21600"/>
+            </a:gdLst>
+            <a:ahLst/>
+            <a:cxnLst>
+              <a:cxn ang="0">
+                <a:pos x="T0" y="T1"/>
+              </a:cxn>
+              <a:cxn ang="0">
+                <a:pos x="T2" y="T3"/>
+              </a:cxn>
+              <a:cxn ang="0">
+                <a:pos x="T4" y="T5"/>
+              </a:cxn>
+              <a:cxn ang="0">
+                <a:pos x="T6" y="T7"/>
+              </a:cxn>
+            </a:cxnLst>
+            <a:rect l="T8" t="T9" r="T10" b="T11"/>
+            <a:pathLst>
+              <a:path w="21600" h="21600" extrusionOk="0">
+                <a:moveTo>
+                  <a:pt x="1949" y="7180"/>
+                </a:moveTo>
+                <a:cubicBezTo>
+                  <a:pt x="841" y="7336"/>
+                  <a:pt x="0" y="8613"/>
+                  <a:pt x="0" y="10137"/>
+                </a:cubicBezTo>
+                <a:cubicBezTo>
+                  <a:pt x="-1" y="11192"/>
+                  <a:pt x="409" y="12169"/>
+                  <a:pt x="1074" y="12702"/>
+                </a:cubicBezTo>
+                <a:lnTo>
+                  <a:pt x="1063" y="12668"/>
+                </a:lnTo>
+                <a:cubicBezTo>
+                  <a:pt x="685" y="13217"/>
+                  <a:pt x="475" y="13940"/>
+                  <a:pt x="475" y="14690"/>
+                </a:cubicBezTo>
+                <a:cubicBezTo>
+                  <a:pt x="475" y="16325"/>
+                  <a:pt x="1451" y="17650"/>
+                  <a:pt x="2655" y="17650"/>
+                </a:cubicBezTo>
+                <a:cubicBezTo>
+                  <a:pt x="2739" y="17650"/>
+                  <a:pt x="2824" y="17643"/>
+                  <a:pt x="2909" y="17629"/>
+                </a:cubicBezTo>
+                <a:lnTo>
+                  <a:pt x="2897" y="17649"/>
+                </a:lnTo>
+                <a:cubicBezTo>
+                  <a:pt x="3585" y="19288"/>
+                  <a:pt x="4863" y="20300"/>
+                  <a:pt x="6247" y="20300"/>
+                </a:cubicBezTo>
+                <a:cubicBezTo>
+                  <a:pt x="6947" y="20299"/>
+                  <a:pt x="7635" y="20039"/>
+                  <a:pt x="8235" y="19546"/>
+                </a:cubicBezTo>
+                <a:lnTo>
+                  <a:pt x="8229" y="19550"/>
+                </a:lnTo>
+                <a:cubicBezTo>
+                  <a:pt x="8855" y="20829"/>
+                  <a:pt x="9908" y="21597"/>
+                  <a:pt x="11036" y="21597"/>
+                </a:cubicBezTo>
+                <a:cubicBezTo>
+                  <a:pt x="12523" y="21596"/>
+                  <a:pt x="13836" y="20267"/>
+                  <a:pt x="14267" y="18324"/>
+                </a:cubicBezTo>
+                <a:lnTo>
+                  <a:pt x="14270" y="18350"/>
+                </a:lnTo>
+                <a:cubicBezTo>
+                  <a:pt x="14730" y="18740"/>
+                  <a:pt x="15260" y="18947"/>
+                  <a:pt x="15802" y="18947"/>
+                </a:cubicBezTo>
+                <a:cubicBezTo>
+                  <a:pt x="17390" y="18946"/>
+                  <a:pt x="18682" y="17205"/>
+                  <a:pt x="18694" y="15045"/>
+                </a:cubicBezTo>
+                <a:lnTo>
+                  <a:pt x="18689" y="15035"/>
+                </a:lnTo>
+                <a:cubicBezTo>
+                  <a:pt x="20357" y="14710"/>
+                  <a:pt x="21597" y="12765"/>
+                  <a:pt x="21597" y="10472"/>
+                </a:cubicBezTo>
+                <a:cubicBezTo>
+                  <a:pt x="21597" y="9456"/>
+                  <a:pt x="21350" y="8469"/>
+                  <a:pt x="20896" y="7663"/>
+                </a:cubicBezTo>
+                <a:lnTo>
+                  <a:pt x="20889" y="7661"/>
+                </a:lnTo>
+                <a:cubicBezTo>
+                  <a:pt x="21031" y="7208"/>
+                  <a:pt x="21105" y="6721"/>
+                  <a:pt x="21105" y="6228"/>
+                </a:cubicBezTo>
+                <a:cubicBezTo>
+                  <a:pt x="21105" y="4588"/>
+                  <a:pt x="20299" y="3150"/>
+                  <a:pt x="19139" y="2719"/>
+                </a:cubicBezTo>
+                <a:lnTo>
+                  <a:pt x="19148" y="2712"/>
+                </a:lnTo>
+                <a:cubicBezTo>
+                  <a:pt x="18940" y="1142"/>
+                  <a:pt x="17933" y="0"/>
+                  <a:pt x="16758" y="0"/>
+                </a:cubicBezTo>
+                <a:cubicBezTo>
+                  <a:pt x="16044" y="-1"/>
+                  <a:pt x="15367" y="426"/>
+                  <a:pt x="14905" y="1165"/>
+                </a:cubicBezTo>
+                <a:lnTo>
+                  <a:pt x="14909" y="1170"/>
+                </a:lnTo>
+                <a:cubicBezTo>
+                  <a:pt x="14497" y="432"/>
+                  <a:pt x="13855" y="0"/>
+                  <a:pt x="13174" y="0"/>
+                </a:cubicBezTo>
+                <a:cubicBezTo>
+                  <a:pt x="12347" y="-1"/>
+                  <a:pt x="11590" y="637"/>
+                  <a:pt x="11221" y="1645"/>
+                </a:cubicBezTo>
+                <a:lnTo>
+                  <a:pt x="11229" y="1694"/>
+                </a:lnTo>
+                <a:cubicBezTo>
+                  <a:pt x="10730" y="1024"/>
+                  <a:pt x="10058" y="650"/>
+                  <a:pt x="9358" y="650"/>
+                </a:cubicBezTo>
+                <a:cubicBezTo>
+                  <a:pt x="8372" y="649"/>
+                  <a:pt x="7466" y="1391"/>
+                  <a:pt x="7003" y="2578"/>
+                </a:cubicBezTo>
+                <a:lnTo>
+                  <a:pt x="6995" y="2602"/>
+                </a:lnTo>
+                <a:cubicBezTo>
+                  <a:pt x="6477" y="2189"/>
+                  <a:pt x="5888" y="1972"/>
+                  <a:pt x="5288" y="1972"/>
+                </a:cubicBezTo>
+                <a:cubicBezTo>
+                  <a:pt x="3423" y="1972"/>
+                  <a:pt x="1912" y="4029"/>
+                  <a:pt x="1912" y="6567"/>
+                </a:cubicBezTo>
+                <a:cubicBezTo>
+                  <a:pt x="1911" y="6774"/>
+                  <a:pt x="1922" y="6981"/>
+                  <a:pt x="1942" y="7186"/>
+                </a:cubicBezTo>
+                <a:close/>
+              </a:path>
+              <a:path w="21600" h="21600" fill="none" extrusionOk="0">
+                <a:moveTo>
+                  <a:pt x="1074" y="12702"/>
+                </a:moveTo>
+                <a:cubicBezTo>
+                  <a:pt x="1407" y="12969"/>
+                  <a:pt x="1786" y="13110"/>
+                  <a:pt x="2172" y="13110"/>
+                </a:cubicBezTo>
+                <a:cubicBezTo>
+                  <a:pt x="2228" y="13109"/>
+                  <a:pt x="2285" y="13107"/>
+                  <a:pt x="2341" y="13101"/>
+                </a:cubicBezTo>
+              </a:path>
+              <a:path w="21600" h="21600" fill="none" extrusionOk="0">
+                <a:moveTo>
+                  <a:pt x="2909" y="17629"/>
+                </a:moveTo>
+                <a:cubicBezTo>
+                  <a:pt x="3099" y="17599"/>
+                  <a:pt x="3285" y="17535"/>
+                  <a:pt x="3463" y="17439"/>
+                </a:cubicBezTo>
+              </a:path>
+              <a:path w="21600" h="21600" fill="none" extrusionOk="0">
+                <a:moveTo>
+                  <a:pt x="7895" y="18680"/>
+                </a:moveTo>
+                <a:cubicBezTo>
+                  <a:pt x="7983" y="18985"/>
+                  <a:pt x="8095" y="19277"/>
+                  <a:pt x="8229" y="19550"/>
+                </a:cubicBezTo>
+              </a:path>
+              <a:path w="21600" h="21600" fill="none" extrusionOk="0">
+                <a:moveTo>
+                  <a:pt x="14267" y="18324"/>
+                </a:moveTo>
+                <a:cubicBezTo>
+                  <a:pt x="14336" y="18013"/>
+                  <a:pt x="14380" y="17693"/>
+                  <a:pt x="14400" y="17370"/>
+                </a:cubicBezTo>
+              </a:path>
+              <a:path w="21600" h="21600" fill="none" extrusionOk="0">
+                <a:moveTo>
+                  <a:pt x="18694" y="15045"/>
+                </a:moveTo>
+                <a:cubicBezTo>
+                  <a:pt x="18694" y="15034"/>
+                  <a:pt x="18695" y="15024"/>
+                  <a:pt x="18695" y="15013"/>
+                </a:cubicBezTo>
+                <a:cubicBezTo>
+                  <a:pt x="18695" y="13508"/>
+                  <a:pt x="18063" y="12136"/>
+                  <a:pt x="17069" y="11477"/>
+                </a:cubicBezTo>
+              </a:path>
+              <a:path w="21600" h="21600" fill="none" extrusionOk="0">
+                <a:moveTo>
+                  <a:pt x="20165" y="8999"/>
+                </a:moveTo>
+                <a:cubicBezTo>
+                  <a:pt x="20479" y="8635"/>
+                  <a:pt x="20726" y="8177"/>
+                  <a:pt x="20889" y="7661"/>
+                </a:cubicBezTo>
+              </a:path>
+              <a:path w="21600" h="21600" fill="none" extrusionOk="0">
+                <a:moveTo>
+                  <a:pt x="19186" y="3344"/>
+                </a:moveTo>
+                <a:cubicBezTo>
+                  <a:pt x="19186" y="3328"/>
+                  <a:pt x="19187" y="3313"/>
+                  <a:pt x="19187" y="3297"/>
+                </a:cubicBezTo>
+                <a:cubicBezTo>
+                  <a:pt x="19187" y="3101"/>
+                  <a:pt x="19174" y="2905"/>
+                  <a:pt x="19148" y="2712"/>
+                </a:cubicBezTo>
+              </a:path>
+              <a:path w="21600" h="21600" fill="none" extrusionOk="0">
+                <a:moveTo>
+                  <a:pt x="14905" y="1165"/>
+                </a:moveTo>
+                <a:cubicBezTo>
+                  <a:pt x="14754" y="1408"/>
+                  <a:pt x="14629" y="1679"/>
+                  <a:pt x="14535" y="1971"/>
+                </a:cubicBezTo>
+              </a:path>
+              <a:path w="21600" h="21600" fill="none" extrusionOk="0">
+                <a:moveTo>
+                  <a:pt x="11221" y="1645"/>
+                </a:moveTo>
+                <a:cubicBezTo>
+                  <a:pt x="11140" y="1866"/>
+                  <a:pt x="11080" y="2099"/>
+                  <a:pt x="11041" y="2340"/>
+                </a:cubicBezTo>
+              </a:path>
+              <a:path w="21600" h="21600" fill="none" extrusionOk="0">
+                <a:moveTo>
+                  <a:pt x="7645" y="3276"/>
+                </a:moveTo>
+                <a:cubicBezTo>
+                  <a:pt x="7449" y="3016"/>
+                  <a:pt x="7231" y="2790"/>
+                  <a:pt x="6995" y="2602"/>
+                </a:cubicBezTo>
+              </a:path>
+              <a:path w="21600" h="21600" fill="none" extrusionOk="0">
+                <a:moveTo>
+                  <a:pt x="1942" y="7186"/>
+                </a:moveTo>
+                <a:cubicBezTo>
+                  <a:pt x="1966" y="7426"/>
+                  <a:pt x="2004" y="7663"/>
+                  <a:pt x="2056" y="7895"/>
+                </a:cubicBezTo>
+              </a:path>
+            </a:pathLst>
+          </a:custGeom>
+          <a:solidFill>
+            <a:srgbClr val="FFBE7D"/>
+          </a:solidFill>
+          <a:ln w="9525">
+            <a:solidFill>
+              <a:srgbClr val="000000"/>
+            </a:solidFill>
+            <a:miter lim="800000"/>
+            <a:headEnd/>
+            <a:tailEnd/>
+          </a:ln>
+          <a:effectLst>
+            <a:outerShdw dist="107763" dir="2700000" algn="ctr" rotWithShape="0">
+              <a:srgbClr val="808080"/>
+            </a:outerShdw>
+          </a:effectLst>
+        </p:spPr>
+        <p:txBody>
+          <a:bodyPr/>
+          <a:lstStyle/>
+          <a:p>
+            <a:r>
+              <a:rPr lang="en-US" altLang="zh-CN" sz="1400" dirty="0">
+                <a:solidFill>
+                  <a:schemeClr val="bg1"/>
+                </a:solidFill>
+                <a:latin typeface="Times New Roman" pitchFamily="18" charset="0"/>
+                <a:ea typeface="楷体_GB2312" pitchFamily="49" charset="-122"/>
+              </a:rPr>
+              <a:t>Weather</a:t>
+            </a:r>
+            <a:r>
+              <a:rPr lang="zh-CN" altLang="en-US" sz="1400" dirty="0">
+                <a:solidFill>
+                  <a:schemeClr val="bg1"/>
+                </a:solidFill>
+                <a:latin typeface="Times New Roman" pitchFamily="18" charset="0"/>
+                <a:ea typeface="楷体_GB2312" pitchFamily="49" charset="-122"/>
+              </a:rPr>
+              <a:t>对象知道如何跟物理气象站联系，取得新的数据。我们的工作是建立一个应用，</a:t>
+            </a:r>
+            <a:r>
+              <a:rPr lang="zh-CN" altLang="en-US" sz="1400" b="1" dirty="0">
+                <a:solidFill>
+                  <a:schemeClr val="bg1"/>
+                </a:solidFill>
+                <a:latin typeface="Times New Roman" pitchFamily="18" charset="0"/>
+                <a:ea typeface="楷体_GB2312" pitchFamily="49" charset="-122"/>
+              </a:rPr>
+              <a:t>利用</a:t>
+            </a:r>
+            <a:r>
+              <a:rPr lang="en-US" altLang="zh-CN" sz="1400" b="1" dirty="0">
+                <a:solidFill>
+                  <a:schemeClr val="bg1"/>
+                </a:solidFill>
+                <a:latin typeface="Times New Roman" pitchFamily="18" charset="0"/>
+                <a:ea typeface="楷体_GB2312" pitchFamily="49" charset="-122"/>
+              </a:rPr>
+              <a:t>Weather</a:t>
+            </a:r>
+            <a:r>
+              <a:rPr lang="zh-CN" altLang="en-US" sz="1400" b="1" dirty="0">
+                <a:solidFill>
+                  <a:schemeClr val="bg1"/>
+                </a:solidFill>
+                <a:latin typeface="Times New Roman" pitchFamily="18" charset="0"/>
+                <a:ea typeface="楷体_GB2312" pitchFamily="49" charset="-122"/>
+              </a:rPr>
+              <a:t>对象的数据</a:t>
+            </a:r>
+            <a:r>
+              <a:rPr lang="zh-CN" altLang="en-US" sz="1400" dirty="0">
+                <a:solidFill>
+                  <a:schemeClr val="bg1"/>
+                </a:solidFill>
+                <a:latin typeface="Times New Roman" pitchFamily="18" charset="0"/>
+                <a:ea typeface="楷体_GB2312" pitchFamily="49" charset="-122"/>
+              </a:rPr>
+              <a:t>，</a:t>
+            </a:r>
+            <a:r>
+              <a:rPr lang="zh-CN" altLang="en-US" sz="1400" b="1" dirty="0">
+                <a:solidFill>
+                  <a:schemeClr val="bg1"/>
+                </a:solidFill>
+                <a:latin typeface="Times New Roman" pitchFamily="18" charset="0"/>
+                <a:ea typeface="楷体_GB2312" pitchFamily="49" charset="-122"/>
+              </a:rPr>
+              <a:t>更新三个布告板</a:t>
+            </a:r>
+            <a:r>
+              <a:rPr lang="zh-CN" altLang="en-US" sz="1400" dirty="0">
+                <a:solidFill>
+                  <a:schemeClr val="bg1"/>
+                </a:solidFill>
+                <a:latin typeface="Times New Roman" pitchFamily="18" charset="0"/>
+                <a:ea typeface="楷体_GB2312" pitchFamily="49" charset="-122"/>
+              </a:rPr>
+              <a:t>。</a:t>
+            </a:r>
+          </a:p>
+        </p:txBody>
+      </p:sp>
+      <p:graphicFrame>
+        <p:nvGraphicFramePr>
+          <p:cNvPr id="25" name="对象 24"/>
+          <p:cNvGraphicFramePr>
+            <a:graphicFrameLocks noChangeAspect="1"/>
+          </p:cNvGraphicFramePr>
+          <p:nvPr>
+            <p:extLst>
+              <p:ext uri="{D42A27DB-BD31-4B8C-83A1-F6EECF244321}">
+                <p14:modId xmlns:p14="http://schemas.microsoft.com/office/powerpoint/2010/main" val="4261425579"/>
+              </p:ext>
+            </p:extLst>
+          </p:nvPr>
+        </p:nvGraphicFramePr>
+        <p:xfrm>
+          <a:off x="107504" y="3356992"/>
+          <a:ext cx="7012065" cy="3384376"/>
+        </p:xfrm>
+        <a:graphic>
+          <a:graphicData uri="http://schemas.openxmlformats.org/presentationml/2006/ole">
+            <mc:AlternateContent xmlns:mc="http://schemas.openxmlformats.org/markup-compatibility/2006">
+              <mc:Choice xmlns:v="urn:schemas-microsoft-com:vml" Requires="v">
+                <p:oleObj spid="_x0000_s1072" name="SmartDraw" r:id="rId3" imgW="9479280" imgH="4575048" progId="SmartDraw.2">
+                  <p:embed/>
+                </p:oleObj>
+              </mc:Choice>
+              <mc:Fallback>
+                <p:oleObj name="SmartDraw" r:id="rId3" imgW="9479280" imgH="4575048" progId="SmartDraw.2">
+                  <p:embed/>
+                  <p:pic>
+                    <p:nvPicPr>
+                      <p:cNvPr id="0" name="Object 8"/>
+                      <p:cNvPicPr>
+                        <a:picLocks noChangeAspect="1" noChangeArrowheads="1"/>
+                      </p:cNvPicPr>
+                      <p:nvPr/>
+                    </p:nvPicPr>
+                    <p:blipFill>
+                      <a:blip r:embed="rId4">
+                        <a:extLst>
+                          <a:ext uri="{28A0092B-C50C-407E-A947-70E740481C1C}">
+                            <a14:useLocalDpi xmlns:a14="http://schemas.microsoft.com/office/drawing/2010/main" val="0"/>
+                          </a:ext>
+                        </a:extLst>
+                      </a:blip>
+                      <a:srcRect/>
+                      <a:stretch>
+                        <a:fillRect/>
+                      </a:stretch>
+                    </p:blipFill>
+                    <p:spPr bwMode="auto">
+                      <a:xfrm>
+                        <a:off x="107504" y="3356992"/>
+                        <a:ext cx="7012065" cy="3384376"/>
+                      </a:xfrm>
+                      <a:prstGeom prst="rect">
+                        <a:avLst/>
+                      </a:prstGeom>
+                      <a:solidFill>
+                        <a:schemeClr val="tx1"/>
+                      </a:solidFill>
+                      <a:ln>
+                        <a:noFill/>
+                      </a:ln>
+                      <a:effectLst/>
+                    </p:spPr>
+                  </p:pic>
+                </p:oleObj>
+              </mc:Fallback>
+            </mc:AlternateContent>
+          </a:graphicData>
+        </a:graphic>
+      </p:graphicFrame>
+      <p:graphicFrame>
+        <p:nvGraphicFramePr>
+          <p:cNvPr id="26" name="对象 25"/>
+          <p:cNvGraphicFramePr>
+            <a:graphicFrameLocks noChangeAspect="1"/>
+          </p:cNvGraphicFramePr>
+          <p:nvPr>
+            <p:extLst>
+              <p:ext uri="{D42A27DB-BD31-4B8C-83A1-F6EECF244321}">
+                <p14:modId xmlns:p14="http://schemas.microsoft.com/office/powerpoint/2010/main" val="4032722600"/>
+              </p:ext>
+            </p:extLst>
+          </p:nvPr>
+        </p:nvGraphicFramePr>
+        <p:xfrm>
+          <a:off x="5796136" y="476672"/>
+          <a:ext cx="3053528" cy="2736304"/>
+        </p:xfrm>
+        <a:graphic>
+          <a:graphicData uri="http://schemas.openxmlformats.org/presentationml/2006/ole">
+            <mc:AlternateContent xmlns:mc="http://schemas.openxmlformats.org/markup-compatibility/2006">
+              <mc:Choice xmlns:v="urn:schemas-microsoft-com:vml" Requires="v">
+                <p:oleObj spid="_x0000_s1073" name="SmartDraw" r:id="rId5" imgW="4928616" imgH="4416552" progId="SmartDraw.2">
+                  <p:embed/>
+                </p:oleObj>
+              </mc:Choice>
+              <mc:Fallback>
+                <p:oleObj name="SmartDraw" r:id="rId5" imgW="4928616" imgH="4416552" progId="SmartDraw.2">
+                  <p:embed/>
+                  <p:pic>
+                    <p:nvPicPr>
+                      <p:cNvPr id="0" name="Object 8"/>
+                      <p:cNvPicPr>
+                        <a:picLocks noChangeAspect="1" noChangeArrowheads="1"/>
+                      </p:cNvPicPr>
+                      <p:nvPr/>
+                    </p:nvPicPr>
+                    <p:blipFill>
+                      <a:blip r:embed="rId6">
+                        <a:extLst>
+                          <a:ext uri="{28A0092B-C50C-407E-A947-70E740481C1C}">
+                            <a14:useLocalDpi xmlns:a14="http://schemas.microsoft.com/office/drawing/2010/main" val="0"/>
+                          </a:ext>
+                        </a:extLst>
+                      </a:blip>
+                      <a:srcRect/>
+                      <a:stretch>
+                        <a:fillRect/>
+                      </a:stretch>
+                    </p:blipFill>
+                    <p:spPr bwMode="auto">
+                      <a:xfrm>
+                        <a:off x="5796136" y="476672"/>
+                        <a:ext cx="3053528" cy="2736304"/>
+                      </a:xfrm>
+                      <a:prstGeom prst="rect">
+                        <a:avLst/>
+                      </a:prstGeom>
+                      <a:noFill/>
+                      <a:ln>
+                        <a:noFill/>
+                      </a:ln>
+                      <a:effectLst/>
+                    </p:spPr>
+                  </p:pic>
+                </p:oleObj>
+              </mc:Fallback>
+            </mc:AlternateContent>
+          </a:graphicData>
+        </a:graphic>
+      </p:graphicFrame>
     </p:spTree>
     <p:extLst>
       <p:ext uri="{BB962C8B-B14F-4D97-AF65-F5344CB8AC3E}">
-        <p14:creationId xmlns:p14="http://schemas.microsoft.com/office/powerpoint/2010/main" val="600924863"/>
+        <p14:creationId xmlns:p14="http://schemas.microsoft.com/office/powerpoint/2010/main" val="2597974818"/>
       </p:ext>
     </p:extLst>
   </p:cSld>
@@ -5491,9 +7082,44 @@
           <a:chExt cx="0" cy="0"/>
         </a:xfrm>
       </p:grpSpPr>
-      <p:sp>
-        <p:nvSpPr>
-          <p:cNvPr id="2" name="标题 1"/>
+      <p:pic>
+        <p:nvPicPr>
+          <p:cNvPr id="2051" name="Picture 3"/>
+          <p:cNvPicPr>
+            <a:picLocks noChangeAspect="1" noChangeArrowheads="1"/>
+          </p:cNvPicPr>
+          <p:nvPr/>
+        </p:nvPicPr>
+        <p:blipFill>
+          <a:blip r:embed="rId2">
+            <a:extLst>
+              <a:ext uri="{28A0092B-C50C-407E-A947-70E740481C1C}">
+                <a14:useLocalDpi xmlns:a14="http://schemas.microsoft.com/office/drawing/2010/main" val="0"/>
+              </a:ext>
+            </a:extLst>
+          </a:blip>
+          <a:srcRect/>
+          <a:stretch>
+            <a:fillRect/>
+          </a:stretch>
+        </p:blipFill>
+        <p:spPr bwMode="auto">
+          <a:xfrm>
+            <a:off x="575185" y="1628800"/>
+            <a:ext cx="7344816" cy="4923449"/>
+          </a:xfrm>
+          <a:prstGeom prst="rect">
+            <a:avLst/>
+          </a:prstGeom>
+          <a:noFill/>
+          <a:ln>
+            <a:noFill/>
+          </a:ln>
+        </p:spPr>
+      </p:pic>
+      <p:sp>
+        <p:nvSpPr>
+          <p:cNvPr id="6" name="标题 1"/>
           <p:cNvSpPr>
             <a:spLocks noGrp="1"/>
           </p:cNvSpPr>
@@ -5501,96 +7127,20 @@
             <p:ph type="title"/>
           </p:nvPr>
         </p:nvSpPr>
-        <p:spPr/>
-        <p:txBody>
-          <a:bodyPr>
-            <a:normAutofit/>
-          </a:bodyPr>
-          <a:lstStyle/>
-          <a:p>
-            <a:r>
-              <a:rPr lang="zh-CN" altLang="en-US" dirty="0"/>
-              <a:t>适</a:t>
-            </a:r>
+        <p:spPr>
+          <a:xfrm>
+            <a:off x="457200" y="274638"/>
+            <a:ext cx="7467600" cy="1143000"/>
+          </a:xfrm>
+        </p:spPr>
+        <p:txBody>
+          <a:bodyPr/>
+          <a:lstStyle/>
+          <a:p>
             <a:r>
               <a:rPr lang="zh-CN" altLang="en-US" dirty="0" smtClean="0"/>
-              <a:t>用性</a:t>
-            </a:r>
-            <a:endParaRPr lang="zh-CN" altLang="en-US" dirty="0"/>
-          </a:p>
-        </p:txBody>
-      </p:sp>
-      <p:sp>
-        <p:nvSpPr>
-          <p:cNvPr id="3" name="内容占位符 2"/>
-          <p:cNvSpPr>
-            <a:spLocks noGrp="1"/>
-          </p:cNvSpPr>
-          <p:nvPr>
-            <p:ph idx="1"/>
-          </p:nvPr>
-        </p:nvSpPr>
-        <p:spPr/>
-        <p:txBody>
-          <a:bodyPr/>
-          <a:lstStyle/>
-          <a:p>
-            <a:pPr lvl="1"/>
-            <a:r>
-              <a:rPr lang="en-US" altLang="zh-CN" dirty="0" smtClean="0"/>
-              <a:t>1</a:t>
-            </a:r>
-            <a:r>
-              <a:rPr lang="en-US" altLang="zh-CN" dirty="0"/>
-              <a:t>)</a:t>
-            </a:r>
-            <a:r>
-              <a:rPr lang="zh-CN" altLang="en-US" dirty="0" smtClean="0"/>
-              <a:t>对</a:t>
-            </a:r>
-            <a:r>
-              <a:rPr lang="zh-CN" altLang="en-US" dirty="0"/>
-              <a:t>一个对象的改变需要同时改变其它对象</a:t>
-            </a:r>
-            <a:r>
-              <a:rPr lang="en-US" altLang="zh-CN" dirty="0"/>
-              <a:t>, </a:t>
-            </a:r>
-            <a:r>
-              <a:rPr lang="zh-CN" altLang="en-US" dirty="0"/>
-              <a:t>而不知道具体有多少对象有待改变。</a:t>
-            </a:r>
-            <a:endParaRPr lang="zh-CN" altLang="en-US" dirty="0"/>
-          </a:p>
-          <a:p>
-            <a:pPr lvl="1"/>
-            <a:r>
-              <a:rPr lang="en-US" altLang="zh-CN" dirty="0"/>
-              <a:t>2</a:t>
-            </a:r>
-            <a:r>
-              <a:rPr lang="en-US" altLang="zh-CN" dirty="0" smtClean="0"/>
-              <a:t>)</a:t>
-            </a:r>
-            <a:r>
-              <a:rPr lang="zh-CN" altLang="en-US" sz="700" dirty="0"/>
-              <a:t>        </a:t>
-            </a:r>
-            <a:r>
-              <a:rPr lang="zh-CN" altLang="en-US" dirty="0"/>
-              <a:t>当一个对象必须通知其它对象，而它又不能假定其它对象是谁。换言之</a:t>
-            </a:r>
-            <a:r>
-              <a:rPr lang="en-US" altLang="zh-CN" dirty="0"/>
-              <a:t>, </a:t>
-            </a:r>
-            <a:r>
-              <a:rPr lang="zh-CN" altLang="en-US" dirty="0"/>
-              <a:t>你不希望这些对象是紧密耦合的。</a:t>
-            </a:r>
-            <a:endParaRPr lang="zh-CN" altLang="en-US" dirty="0"/>
-          </a:p>
-          <a:p>
+              <a:t>主题和观察者</a:t>
+            </a:r>
             <a:endParaRPr lang="zh-CN" altLang="en-US" dirty="0"/>
           </a:p>
         </p:txBody>
@@ -5598,7 +7148,7 @@
     </p:spTree>
     <p:extLst>
       <p:ext uri="{BB962C8B-B14F-4D97-AF65-F5344CB8AC3E}">
-        <p14:creationId xmlns:p14="http://schemas.microsoft.com/office/powerpoint/2010/main" val="3961778866"/>
+        <p14:creationId xmlns:p14="http://schemas.microsoft.com/office/powerpoint/2010/main" val="2915502443"/>
       </p:ext>
     </p:extLst>
   </p:cSld>
@@ -5632,9 +7182,63 @@
           <a:chExt cx="0" cy="0"/>
         </a:xfrm>
       </p:grpSpPr>
-      <p:sp>
-        <p:nvSpPr>
-          <p:cNvPr id="2" name="标题 1"/>
+      <p:pic>
+        <p:nvPicPr>
+          <p:cNvPr id="3074" name="Picture 2"/>
+          <p:cNvPicPr>
+            <a:picLocks noChangeAspect="1" noChangeArrowheads="1"/>
+          </p:cNvPicPr>
+          <p:nvPr/>
+        </p:nvPicPr>
+        <p:blipFill>
+          <a:blip r:embed="rId2">
+            <a:extLst>
+              <a:ext uri="{28A0092B-C50C-407E-A947-70E740481C1C}">
+                <a14:useLocalDpi xmlns:a14="http://schemas.microsoft.com/office/drawing/2010/main" val="0"/>
+              </a:ext>
+            </a:extLst>
+          </a:blip>
+          <a:srcRect/>
+          <a:stretch>
+            <a:fillRect/>
+          </a:stretch>
+        </p:blipFill>
+        <p:spPr bwMode="auto">
+          <a:xfrm>
+            <a:off x="198689" y="1340768"/>
+            <a:ext cx="4320000" cy="2398144"/>
+          </a:xfrm>
+          <a:prstGeom prst="rect">
+            <a:avLst/>
+          </a:prstGeom>
+          <a:noFill/>
+          <a:ln>
+            <a:noFill/>
+          </a:ln>
+          <a:extLst>
+            <a:ext uri="{909E8E84-426E-40DD-AFC4-6F175D3DCCD1}">
+              <a14:hiddenFill xmlns:a14="http://schemas.microsoft.com/office/drawing/2010/main">
+                <a:solidFill>
+                  <a:schemeClr val="accent1"/>
+                </a:solidFill>
+              </a14:hiddenFill>
+            </a:ext>
+            <a:ext uri="{91240B29-F687-4F45-9708-019B960494DF}">
+              <a14:hiddenLine xmlns:a14="http://schemas.microsoft.com/office/drawing/2010/main" w="9525">
+                <a:solidFill>
+                  <a:schemeClr val="tx1"/>
+                </a:solidFill>
+                <a:miter lim="800000"/>
+                <a:headEnd/>
+                <a:tailEnd/>
+              </a14:hiddenLine>
+            </a:ext>
+          </a:extLst>
+        </p:spPr>
+      </p:pic>
+      <p:sp>
+        <p:nvSpPr>
+          <p:cNvPr id="5" name="标题 1"/>
           <p:cNvSpPr>
             <a:spLocks noGrp="1"/>
           </p:cNvSpPr>
@@ -5642,124 +7246,430 @@
             <p:ph type="title"/>
           </p:nvPr>
         </p:nvSpPr>
-        <p:spPr/>
+        <p:spPr>
+          <a:xfrm>
+            <a:off x="206711" y="182994"/>
+            <a:ext cx="7467600" cy="1143000"/>
+          </a:xfrm>
+        </p:spPr>
         <p:txBody>
           <a:bodyPr/>
           <a:lstStyle/>
           <a:p>
             <a:r>
               <a:rPr lang="zh-CN" altLang="en-US" dirty="0" smtClean="0"/>
-              <a:t>推与拉</a:t>
+              <a:t>观察者的活动周期</a:t>
             </a:r>
             <a:endParaRPr lang="zh-CN" altLang="en-US" dirty="0"/>
           </a:p>
         </p:txBody>
       </p:sp>
-      <p:sp>
-        <p:nvSpPr>
-          <p:cNvPr id="3" name="内容占位符 2"/>
-          <p:cNvSpPr>
-            <a:spLocks noGrp="1"/>
-          </p:cNvSpPr>
-          <p:nvPr>
-            <p:ph idx="1"/>
-          </p:nvPr>
-        </p:nvSpPr>
-        <p:spPr/>
-        <p:txBody>
-          <a:bodyPr>
-            <a:normAutofit/>
-          </a:bodyPr>
-          <a:lstStyle/>
-          <a:p>
-            <a:r>
-              <a:rPr lang="zh-CN" altLang="en-US" dirty="0"/>
-              <a:t>观察者模式在关于目标角色、观察者角色通信的具体实现中，有两个版</a:t>
-            </a:r>
-            <a:r>
-              <a:rPr lang="zh-CN" altLang="en-US" dirty="0" smtClean="0"/>
-              <a:t>本</a:t>
-            </a:r>
-            <a:endParaRPr lang="en-US" altLang="zh-CN" dirty="0" smtClean="0"/>
-          </a:p>
-          <a:p>
-            <a:pPr marL="36576" indent="0">
-              <a:buNone/>
-            </a:pPr>
-            <a:r>
-              <a:rPr lang="en-US" altLang="zh-CN" dirty="0"/>
-              <a:t> </a:t>
-            </a:r>
-            <a:r>
-              <a:rPr lang="en-US" altLang="zh-CN" dirty="0" smtClean="0"/>
-              <a:t> </a:t>
-            </a:r>
-            <a:r>
-              <a:rPr lang="zh-CN" altLang="en-US" dirty="0" smtClean="0"/>
-              <a:t>推</a:t>
-            </a:r>
-            <a:r>
-              <a:rPr lang="en-US" altLang="zh-CN" dirty="0" smtClean="0"/>
-              <a:t>:</a:t>
-            </a:r>
-            <a:r>
-              <a:rPr lang="zh-CN" altLang="en-US" dirty="0"/>
-              <a:t>通过一个参数将变化的细节传递到观察者角色中去。这就是“推模式”</a:t>
-            </a:r>
-            <a:r>
-              <a:rPr lang="en-US" altLang="zh-CN" dirty="0"/>
-              <a:t>——</a:t>
-            </a:r>
-            <a:r>
-              <a:rPr lang="zh-CN" altLang="en-US" dirty="0"/>
-              <a:t>管你要不要，先给</a:t>
-            </a:r>
-            <a:r>
-              <a:rPr lang="zh-CN" altLang="en-US" dirty="0" smtClean="0"/>
-              <a:t>你</a:t>
-            </a:r>
-            <a:r>
-              <a:rPr lang="zh-CN" altLang="en-US" dirty="0"/>
-              <a:t>。</a:t>
-            </a:r>
-            <a:endParaRPr lang="en-US" altLang="zh-CN" dirty="0" smtClean="0"/>
-          </a:p>
-          <a:p>
-            <a:pPr marL="36576" indent="0">
-              <a:buNone/>
-            </a:pPr>
-            <a:r>
-              <a:rPr lang="en-US" altLang="zh-CN" dirty="0"/>
-              <a:t> </a:t>
-            </a:r>
-            <a:r>
-              <a:rPr lang="en-US" altLang="zh-CN" dirty="0" smtClean="0"/>
-              <a:t> </a:t>
-            </a:r>
-            <a:r>
-              <a:rPr lang="zh-CN" altLang="en-US" dirty="0" smtClean="0"/>
-              <a:t>拉</a:t>
-            </a:r>
-            <a:r>
-              <a:rPr lang="en-US" altLang="zh-CN" dirty="0" smtClean="0"/>
-              <a:t>:</a:t>
-            </a:r>
-            <a:r>
-              <a:rPr lang="zh-CN" altLang="en-US" dirty="0"/>
-              <a:t>一种情况便是目标角色在发生变化后，仅仅告诉观察者角色“我变化了”；观察者角色如果想要知道具体的变化细节，则就要自己从目标角色的接口中得到</a:t>
-            </a:r>
-            <a:r>
-              <a:rPr lang="zh-CN" altLang="en-US" dirty="0" smtClean="0"/>
-              <a:t>。</a:t>
-            </a:r>
-            <a:endParaRPr lang="en-US" altLang="zh-CN" dirty="0" smtClean="0"/>
+      <p:pic>
+        <p:nvPicPr>
+          <p:cNvPr id="3075" name="Picture 3"/>
+          <p:cNvPicPr>
+            <a:picLocks noChangeAspect="1" noChangeArrowheads="1"/>
+          </p:cNvPicPr>
+          <p:nvPr/>
+        </p:nvPicPr>
+        <p:blipFill>
+          <a:blip r:embed="rId3">
+            <a:extLst>
+              <a:ext uri="{28A0092B-C50C-407E-A947-70E740481C1C}">
+                <a14:useLocalDpi xmlns:a14="http://schemas.microsoft.com/office/drawing/2010/main" val="0"/>
+              </a:ext>
+            </a:extLst>
+          </a:blip>
+          <a:srcRect/>
+          <a:stretch>
+            <a:fillRect/>
+          </a:stretch>
+        </p:blipFill>
+        <p:spPr bwMode="auto">
+          <a:xfrm>
+            <a:off x="198689" y="3897787"/>
+            <a:ext cx="4320000" cy="2467751"/>
+          </a:xfrm>
+          <a:prstGeom prst="rect">
+            <a:avLst/>
+          </a:prstGeom>
+          <a:noFill/>
+          <a:ln>
+            <a:noFill/>
+          </a:ln>
+          <a:extLst>
+            <a:ext uri="{909E8E84-426E-40DD-AFC4-6F175D3DCCD1}">
+              <a14:hiddenFill xmlns:a14="http://schemas.microsoft.com/office/drawing/2010/main">
+                <a:solidFill>
+                  <a:schemeClr val="accent1"/>
+                </a:solidFill>
+              </a14:hiddenFill>
+            </a:ext>
+            <a:ext uri="{91240B29-F687-4F45-9708-019B960494DF}">
+              <a14:hiddenLine xmlns:a14="http://schemas.microsoft.com/office/drawing/2010/main" w="9525">
+                <a:solidFill>
+                  <a:schemeClr val="tx1"/>
+                </a:solidFill>
+                <a:miter lim="800000"/>
+                <a:headEnd/>
+                <a:tailEnd/>
+              </a14:hiddenLine>
+            </a:ext>
+          </a:extLst>
+        </p:spPr>
+      </p:pic>
+      <p:pic>
+        <p:nvPicPr>
+          <p:cNvPr id="3077" name="Picture 5"/>
+          <p:cNvPicPr>
+            <a:picLocks noChangeAspect="1" noChangeArrowheads="1"/>
+          </p:cNvPicPr>
+          <p:nvPr/>
+        </p:nvPicPr>
+        <p:blipFill>
+          <a:blip r:embed="rId4">
+            <a:extLst>
+              <a:ext uri="{28A0092B-C50C-407E-A947-70E740481C1C}">
+                <a14:useLocalDpi xmlns:a14="http://schemas.microsoft.com/office/drawing/2010/main" val="0"/>
+              </a:ext>
+            </a:extLst>
+          </a:blip>
+          <a:srcRect/>
+          <a:stretch>
+            <a:fillRect/>
+          </a:stretch>
+        </p:blipFill>
+        <p:spPr bwMode="auto">
+          <a:xfrm>
+            <a:off x="4572000" y="1340769"/>
+            <a:ext cx="4320480" cy="2398143"/>
+          </a:xfrm>
+          <a:prstGeom prst="rect">
+            <a:avLst/>
+          </a:prstGeom>
+          <a:noFill/>
+          <a:ln>
+            <a:noFill/>
+          </a:ln>
+          <a:extLst>
+            <a:ext uri="{909E8E84-426E-40DD-AFC4-6F175D3DCCD1}">
+              <a14:hiddenFill xmlns:a14="http://schemas.microsoft.com/office/drawing/2010/main">
+                <a:solidFill>
+                  <a:schemeClr val="accent1"/>
+                </a:solidFill>
+              </a14:hiddenFill>
+            </a:ext>
+            <a:ext uri="{91240B29-F687-4F45-9708-019B960494DF}">
+              <a14:hiddenLine xmlns:a14="http://schemas.microsoft.com/office/drawing/2010/main" w="9525">
+                <a:solidFill>
+                  <a:schemeClr val="tx1"/>
+                </a:solidFill>
+                <a:miter lim="800000"/>
+                <a:headEnd/>
+                <a:tailEnd/>
+              </a14:hiddenLine>
+            </a:ext>
+          </a:extLst>
+        </p:spPr>
+      </p:pic>
+      <p:pic>
+        <p:nvPicPr>
+          <p:cNvPr id="3078" name="Picture 6"/>
+          <p:cNvPicPr>
+            <a:picLocks noChangeAspect="1" noChangeArrowheads="1"/>
+          </p:cNvPicPr>
+          <p:nvPr/>
+        </p:nvPicPr>
+        <p:blipFill>
+          <a:blip r:embed="rId5">
+            <a:extLst>
+              <a:ext uri="{28A0092B-C50C-407E-A947-70E740481C1C}">
+                <a14:useLocalDpi xmlns:a14="http://schemas.microsoft.com/office/drawing/2010/main" val="0"/>
+              </a:ext>
+            </a:extLst>
+          </a:blip>
+          <a:srcRect/>
+          <a:stretch>
+            <a:fillRect/>
+          </a:stretch>
+        </p:blipFill>
+        <p:spPr bwMode="auto">
+          <a:xfrm>
+            <a:off x="4644008" y="3897787"/>
+            <a:ext cx="4248472" cy="2467751"/>
+          </a:xfrm>
+          <a:prstGeom prst="rect">
+            <a:avLst/>
+          </a:prstGeom>
+          <a:noFill/>
+          <a:ln>
+            <a:noFill/>
+          </a:ln>
+          <a:extLst>
+            <a:ext uri="{909E8E84-426E-40DD-AFC4-6F175D3DCCD1}">
+              <a14:hiddenFill xmlns:a14="http://schemas.microsoft.com/office/drawing/2010/main">
+                <a:solidFill>
+                  <a:schemeClr val="accent1"/>
+                </a:solidFill>
+              </a14:hiddenFill>
+            </a:ext>
+            <a:ext uri="{91240B29-F687-4F45-9708-019B960494DF}">
+              <a14:hiddenLine xmlns:a14="http://schemas.microsoft.com/office/drawing/2010/main" w="9525">
+                <a:solidFill>
+                  <a:schemeClr val="tx1"/>
+                </a:solidFill>
+                <a:miter lim="800000"/>
+                <a:headEnd/>
+                <a:tailEnd/>
+              </a14:hiddenLine>
+            </a:ext>
+          </a:extLst>
+        </p:spPr>
+      </p:pic>
+      <p:sp>
+        <p:nvSpPr>
+          <p:cNvPr id="4" name="椭圆 3"/>
+          <p:cNvSpPr/>
+          <p:nvPr/>
+        </p:nvSpPr>
+        <p:spPr>
+          <a:xfrm>
+            <a:off x="395536" y="1587583"/>
+            <a:ext cx="216024" cy="216024"/>
+          </a:xfrm>
+          <a:prstGeom prst="ellipse">
+            <a:avLst/>
+          </a:prstGeom>
+          <a:solidFill>
+            <a:schemeClr val="tx1"/>
+          </a:solidFill>
+          <a:ln>
+            <a:solidFill>
+              <a:schemeClr val="bg1"/>
+            </a:solidFill>
+          </a:ln>
+        </p:spPr>
+        <p:style>
+          <a:lnRef idx="2">
+            <a:schemeClr val="accent1">
+              <a:shade val="50000"/>
+            </a:schemeClr>
+          </a:lnRef>
+          <a:fillRef idx="1">
+            <a:schemeClr val="accent1"/>
+          </a:fillRef>
+          <a:effectRef idx="0">
+            <a:schemeClr val="accent1"/>
+          </a:effectRef>
+          <a:fontRef idx="minor">
+            <a:schemeClr val="lt1"/>
+          </a:fontRef>
+        </p:style>
+        <p:txBody>
+          <a:bodyPr rtlCol="0" anchor="ctr"/>
+          <a:lstStyle/>
+          <a:p>
+            <a:pPr algn="ctr"/>
+            <a:r>
+              <a:rPr lang="en-US" altLang="zh-CN" sz="1200" dirty="0" smtClean="0">
+                <a:solidFill>
+                  <a:schemeClr val="bg1"/>
+                </a:solidFill>
+              </a:rPr>
+              <a:t>1</a:t>
+            </a:r>
+            <a:endParaRPr lang="zh-CN" altLang="en-US" sz="1200" dirty="0">
+              <a:solidFill>
+                <a:schemeClr val="bg1"/>
+              </a:solidFill>
+            </a:endParaRPr>
+          </a:p>
+        </p:txBody>
+      </p:sp>
+      <p:sp>
+        <p:nvSpPr>
+          <p:cNvPr id="11" name="椭圆 10"/>
+          <p:cNvSpPr/>
+          <p:nvPr/>
+        </p:nvSpPr>
+        <p:spPr>
+          <a:xfrm>
+            <a:off x="4662525" y="1371559"/>
+            <a:ext cx="216024" cy="216024"/>
+          </a:xfrm>
+          <a:prstGeom prst="ellipse">
+            <a:avLst/>
+          </a:prstGeom>
+          <a:solidFill>
+            <a:schemeClr val="tx1"/>
+          </a:solidFill>
+          <a:ln>
+            <a:solidFill>
+              <a:schemeClr val="bg1"/>
+            </a:solidFill>
+          </a:ln>
+        </p:spPr>
+        <p:style>
+          <a:lnRef idx="2">
+            <a:schemeClr val="accent1">
+              <a:shade val="50000"/>
+            </a:schemeClr>
+          </a:lnRef>
+          <a:fillRef idx="1">
+            <a:schemeClr val="accent1"/>
+          </a:fillRef>
+          <a:effectRef idx="0">
+            <a:schemeClr val="accent1"/>
+          </a:effectRef>
+          <a:fontRef idx="minor">
+            <a:schemeClr val="lt1"/>
+          </a:fontRef>
+        </p:style>
+        <p:txBody>
+          <a:bodyPr rtlCol="0" anchor="ctr"/>
+          <a:lstStyle/>
+          <a:p>
+            <a:pPr algn="ctr"/>
+            <a:r>
+              <a:rPr lang="en-US" altLang="zh-CN" sz="1200" dirty="0" smtClean="0">
+                <a:solidFill>
+                  <a:schemeClr val="bg1"/>
+                </a:solidFill>
+              </a:rPr>
+              <a:t>2</a:t>
+            </a:r>
+            <a:endParaRPr lang="zh-CN" altLang="en-US" sz="1200" dirty="0">
+              <a:solidFill>
+                <a:schemeClr val="bg1"/>
+              </a:solidFill>
+            </a:endParaRPr>
+          </a:p>
+        </p:txBody>
+      </p:sp>
+      <p:sp>
+        <p:nvSpPr>
+          <p:cNvPr id="13" name="椭圆 12"/>
+          <p:cNvSpPr/>
+          <p:nvPr/>
+        </p:nvSpPr>
+        <p:spPr>
+          <a:xfrm>
+            <a:off x="1259632" y="4221088"/>
+            <a:ext cx="216024" cy="216024"/>
+          </a:xfrm>
+          <a:prstGeom prst="ellipse">
+            <a:avLst/>
+          </a:prstGeom>
+          <a:solidFill>
+            <a:schemeClr val="tx1"/>
+          </a:solidFill>
+          <a:ln>
+            <a:solidFill>
+              <a:schemeClr val="bg1"/>
+            </a:solidFill>
+          </a:ln>
+        </p:spPr>
+        <p:style>
+          <a:lnRef idx="2">
+            <a:schemeClr val="accent1">
+              <a:shade val="50000"/>
+            </a:schemeClr>
+          </a:lnRef>
+          <a:fillRef idx="1">
+            <a:schemeClr val="accent1"/>
+          </a:fillRef>
+          <a:effectRef idx="0">
+            <a:schemeClr val="accent1"/>
+          </a:effectRef>
+          <a:fontRef idx="minor">
+            <a:schemeClr val="lt1"/>
+          </a:fontRef>
+        </p:style>
+        <p:txBody>
+          <a:bodyPr rtlCol="0" anchor="ctr"/>
+          <a:lstStyle/>
+          <a:p>
+            <a:pPr algn="ctr"/>
+            <a:r>
+              <a:rPr lang="en-US" altLang="zh-CN" sz="1200" dirty="0" smtClean="0">
+                <a:solidFill>
+                  <a:schemeClr val="bg1"/>
+                </a:solidFill>
+              </a:rPr>
+              <a:t>3</a:t>
+            </a:r>
+            <a:endParaRPr lang="zh-CN" altLang="en-US" sz="1200" dirty="0">
+              <a:solidFill>
+                <a:schemeClr val="bg1"/>
+              </a:solidFill>
+            </a:endParaRPr>
+          </a:p>
+        </p:txBody>
+      </p:sp>
+      <p:sp>
+        <p:nvSpPr>
+          <p:cNvPr id="14" name="椭圆 13"/>
+          <p:cNvSpPr/>
+          <p:nvPr/>
+        </p:nvSpPr>
+        <p:spPr>
+          <a:xfrm>
+            <a:off x="5580112" y="4005064"/>
+            <a:ext cx="216024" cy="216024"/>
+          </a:xfrm>
+          <a:prstGeom prst="ellipse">
+            <a:avLst/>
+          </a:prstGeom>
+          <a:solidFill>
+            <a:schemeClr val="tx1"/>
+          </a:solidFill>
+          <a:ln>
+            <a:solidFill>
+              <a:schemeClr val="bg1"/>
+            </a:solidFill>
+          </a:ln>
+        </p:spPr>
+        <p:style>
+          <a:lnRef idx="2">
+            <a:schemeClr val="accent1">
+              <a:shade val="50000"/>
+            </a:schemeClr>
+          </a:lnRef>
+          <a:fillRef idx="1">
+            <a:schemeClr val="accent1"/>
+          </a:fillRef>
+          <a:effectRef idx="0">
+            <a:schemeClr val="accent1"/>
+          </a:effectRef>
+          <a:fontRef idx="minor">
+            <a:schemeClr val="lt1"/>
+          </a:fontRef>
+        </p:style>
+        <p:txBody>
+          <a:bodyPr rtlCol="0" anchor="ctr"/>
+          <a:lstStyle/>
+          <a:p>
+            <a:pPr algn="ctr"/>
+            <a:r>
+              <a:rPr lang="en-US" altLang="zh-CN" sz="1200" dirty="0" smtClean="0">
+                <a:solidFill>
+                  <a:schemeClr val="bg1"/>
+                </a:solidFill>
+              </a:rPr>
+              <a:t>4</a:t>
+            </a:r>
+            <a:endParaRPr lang="zh-CN" altLang="en-US" sz="1200" dirty="0">
+              <a:solidFill>
+                <a:schemeClr val="bg1"/>
+              </a:solidFill>
+            </a:endParaRPr>
           </a:p>
         </p:txBody>
       </p:sp>
     </p:spTree>
     <p:extLst>
       <p:ext uri="{BB962C8B-B14F-4D97-AF65-F5344CB8AC3E}">
-        <p14:creationId xmlns:p14="http://schemas.microsoft.com/office/powerpoint/2010/main" val="2476373307"/>
+        <p14:creationId xmlns:p14="http://schemas.microsoft.com/office/powerpoint/2010/main" val="1604756990"/>
       </p:ext>
     </p:extLst>
   </p:cSld>
@@ -5809,59 +7719,90 @@
           <a:lstStyle/>
           <a:p>
             <a:r>
-              <a:rPr lang="zh-CN" altLang="en-US" dirty="0"/>
-              <a:t>优</a:t>
-            </a:r>
-            <a:r>
               <a:rPr lang="zh-CN" altLang="en-US" dirty="0" smtClean="0"/>
-              <a:t>点</a:t>
+              <a:t>类图</a:t>
             </a:r>
             <a:endParaRPr lang="zh-CN" altLang="en-US" dirty="0"/>
           </a:p>
         </p:txBody>
       </p:sp>
-      <p:sp>
-        <p:nvSpPr>
-          <p:cNvPr id="3" name="内容占位符 2"/>
-          <p:cNvSpPr>
-            <a:spLocks noGrp="1"/>
-          </p:cNvSpPr>
-          <p:nvPr>
-            <p:ph idx="1"/>
-          </p:nvPr>
-        </p:nvSpPr>
-        <p:spPr/>
-        <p:txBody>
-          <a:bodyPr/>
-          <a:lstStyle/>
-          <a:p>
-            <a:r>
-              <a:rPr lang="zh-CN" altLang="en-US" dirty="0"/>
-              <a:t>第一、观察者模式在被观察者和观察者之间建立一个抽象的耦合。被观察者角色所知道的只是一个具体观察者列表，每一个具体观察者都符合一个抽象观察者的接口。被观察者并不认识任何一个具体观察者，它只知道它们都有一个共同的接口</a:t>
-            </a:r>
-            <a:r>
-              <a:rPr lang="zh-CN" altLang="en-US" dirty="0" smtClean="0"/>
-              <a:t>。</a:t>
-            </a:r>
-            <a:endParaRPr lang="en-US" altLang="zh-CN" dirty="0" smtClean="0"/>
-          </a:p>
-          <a:p>
-            <a:r>
-              <a:rPr lang="zh-CN" altLang="en-US" dirty="0"/>
-              <a:t>第二、观察者模式支持广播通讯</a:t>
-            </a:r>
-            <a:r>
-              <a:rPr lang="zh-CN" altLang="en-US" dirty="0" smtClean="0"/>
-              <a:t>。</a:t>
-            </a:r>
-            <a:endParaRPr lang="zh-CN" altLang="en-US" dirty="0"/>
-          </a:p>
-        </p:txBody>
-      </p:sp>
+      <p:graphicFrame>
+        <p:nvGraphicFramePr>
+          <p:cNvPr id="4" name="对象 3"/>
+          <p:cNvGraphicFramePr>
+            <a:graphicFrameLocks noChangeAspect="1"/>
+          </p:cNvGraphicFramePr>
+          <p:nvPr>
+            <p:extLst>
+              <p:ext uri="{D42A27DB-BD31-4B8C-83A1-F6EECF244321}">
+                <p14:modId xmlns:p14="http://schemas.microsoft.com/office/powerpoint/2010/main" val="136573063"/>
+              </p:ext>
+            </p:extLst>
+          </p:nvPr>
+        </p:nvGraphicFramePr>
+        <p:xfrm>
+          <a:off x="395536" y="1772816"/>
+          <a:ext cx="8496944" cy="4828625"/>
+        </p:xfrm>
+        <a:graphic>
+          <a:graphicData uri="http://schemas.openxmlformats.org/presentationml/2006/ole">
+            <mc:AlternateContent xmlns:mc="http://schemas.openxmlformats.org/markup-compatibility/2006">
+              <mc:Choice xmlns:v="urn:schemas-microsoft-com:vml" Requires="v">
+                <p:oleObj spid="_x0000_s4111" name="SmartDraw" r:id="rId3" imgW="10207752" imgH="5800344" progId="SmartDraw.2">
+                  <p:embed/>
+                </p:oleObj>
+              </mc:Choice>
+              <mc:Fallback>
+                <p:oleObj name="SmartDraw" r:id="rId3" imgW="10207752" imgH="5800344" progId="SmartDraw.2">
+                  <p:embed/>
+                  <p:pic>
+                    <p:nvPicPr>
+                      <p:cNvPr id="0" name="Object 5"/>
+                      <p:cNvPicPr>
+                        <a:picLocks noChangeAspect="1" noChangeArrowheads="1"/>
+                      </p:cNvPicPr>
+                      <p:nvPr/>
+                    </p:nvPicPr>
+                    <p:blipFill>
+                      <a:blip r:embed="rId4">
+                        <a:extLst>
+                          <a:ext uri="{28A0092B-C50C-407E-A947-70E740481C1C}">
+                            <a14:useLocalDpi xmlns:a14="http://schemas.microsoft.com/office/drawing/2010/main" val="0"/>
+                          </a:ext>
+                        </a:extLst>
+                      </a:blip>
+                      <a:srcRect/>
+                      <a:stretch>
+                        <a:fillRect/>
+                      </a:stretch>
+                    </p:blipFill>
+                    <p:spPr bwMode="auto">
+                      <a:xfrm>
+                        <a:off x="395536" y="1772816"/>
+                        <a:ext cx="8496944" cy="4828625"/>
+                      </a:xfrm>
+                      <a:prstGeom prst="rect">
+                        <a:avLst/>
+                      </a:prstGeom>
+                      <a:solidFill>
+                        <a:schemeClr val="tx1"/>
+                      </a:solidFill>
+                      <a:ln>
+                        <a:noFill/>
+                      </a:ln>
+                      <a:effectLst/>
+                    </p:spPr>
+                  </p:pic>
+                </p:oleObj>
+              </mc:Fallback>
+            </mc:AlternateContent>
+          </a:graphicData>
+        </a:graphic>
+      </p:graphicFrame>
     </p:spTree>
     <p:extLst>
       <p:ext uri="{BB962C8B-B14F-4D97-AF65-F5344CB8AC3E}">
-        <p14:creationId xmlns:p14="http://schemas.microsoft.com/office/powerpoint/2010/main" val="4075729214"/>
+        <p14:creationId xmlns:p14="http://schemas.microsoft.com/office/powerpoint/2010/main" val="769619777"/>
       </p:ext>
     </p:extLst>
   </p:cSld>
